--- a/supp/Publication/images/RawPPT/2012-CHI-HandleBar.pptx
+++ b/supp/Publication/images/RawPPT/2012-CHI-HandleBar.pptx
@@ -2,20 +2,20 @@
 <file path=ppt/presentation.xml><?xml version="1.0" encoding="utf-8"?>
 <p:presentation xmlns:a="http://schemas.openxmlformats.org/drawingml/2006/main" xmlns:r="http://schemas.openxmlformats.org/officeDocument/2006/relationships" xmlns:p="http://schemas.openxmlformats.org/presentationml/2006/main" saveSubsetFonts="1">
   <p:sldMasterIdLst>
-    <p:sldMasterId id="2147483672" r:id="rId1"/>
+    <p:sldMasterId id="2147483684" r:id="rId1"/>
   </p:sldMasterIdLst>
   <p:sldIdLst>
     <p:sldId id="258" r:id="rId2"/>
     <p:sldId id="257" r:id="rId3"/>
   </p:sldIdLst>
-  <p:sldSz cx="14400213" cy="7199313"/>
+  <p:sldSz cx="12239625" cy="7199313"/>
   <p:notesSz cx="6858000" cy="9144000"/>
   <p:defaultTextStyle>
     <a:defPPr>
-      <a:defRPr lang="zh-CN"/>
+      <a:defRPr lang="en-US"/>
     </a:defPPr>
-    <a:lvl1pPr marL="0" algn="l" defTabSz="1036643" rtl="0" eaLnBrk="1" latinLnBrk="0" hangingPunct="1">
-      <a:defRPr sz="2040" kern="1200">
+    <a:lvl1pPr marL="0" algn="l" defTabSz="457200" rtl="0" eaLnBrk="1" latinLnBrk="0" hangingPunct="1">
+      <a:defRPr sz="1800" kern="1200">
         <a:solidFill>
           <a:schemeClr val="tx1"/>
         </a:solidFill>
@@ -24,8 +24,8 @@
         <a:cs typeface="+mn-cs"/>
       </a:defRPr>
     </a:lvl1pPr>
-    <a:lvl2pPr marL="518321" algn="l" defTabSz="1036643" rtl="0" eaLnBrk="1" latinLnBrk="0" hangingPunct="1">
-      <a:defRPr sz="2040" kern="1200">
+    <a:lvl2pPr marL="457200" algn="l" defTabSz="457200" rtl="0" eaLnBrk="1" latinLnBrk="0" hangingPunct="1">
+      <a:defRPr sz="1800" kern="1200">
         <a:solidFill>
           <a:schemeClr val="tx1"/>
         </a:solidFill>
@@ -34,8 +34,8 @@
         <a:cs typeface="+mn-cs"/>
       </a:defRPr>
     </a:lvl2pPr>
-    <a:lvl3pPr marL="1036643" algn="l" defTabSz="1036643" rtl="0" eaLnBrk="1" latinLnBrk="0" hangingPunct="1">
-      <a:defRPr sz="2040" kern="1200">
+    <a:lvl3pPr marL="914400" algn="l" defTabSz="457200" rtl="0" eaLnBrk="1" latinLnBrk="0" hangingPunct="1">
+      <a:defRPr sz="1800" kern="1200">
         <a:solidFill>
           <a:schemeClr val="tx1"/>
         </a:solidFill>
@@ -44,8 +44,8 @@
         <a:cs typeface="+mn-cs"/>
       </a:defRPr>
     </a:lvl3pPr>
-    <a:lvl4pPr marL="1554964" algn="l" defTabSz="1036643" rtl="0" eaLnBrk="1" latinLnBrk="0" hangingPunct="1">
-      <a:defRPr sz="2040" kern="1200">
+    <a:lvl4pPr marL="1371600" algn="l" defTabSz="457200" rtl="0" eaLnBrk="1" latinLnBrk="0" hangingPunct="1">
+      <a:defRPr sz="1800" kern="1200">
         <a:solidFill>
           <a:schemeClr val="tx1"/>
         </a:solidFill>
@@ -54,8 +54,8 @@
         <a:cs typeface="+mn-cs"/>
       </a:defRPr>
     </a:lvl4pPr>
-    <a:lvl5pPr marL="2073286" algn="l" defTabSz="1036643" rtl="0" eaLnBrk="1" latinLnBrk="0" hangingPunct="1">
-      <a:defRPr sz="2040" kern="1200">
+    <a:lvl5pPr marL="1828800" algn="l" defTabSz="457200" rtl="0" eaLnBrk="1" latinLnBrk="0" hangingPunct="1">
+      <a:defRPr sz="1800" kern="1200">
         <a:solidFill>
           <a:schemeClr val="tx1"/>
         </a:solidFill>
@@ -64,8 +64,8 @@
         <a:cs typeface="+mn-cs"/>
       </a:defRPr>
     </a:lvl5pPr>
-    <a:lvl6pPr marL="2591607" algn="l" defTabSz="1036643" rtl="0" eaLnBrk="1" latinLnBrk="0" hangingPunct="1">
-      <a:defRPr sz="2040" kern="1200">
+    <a:lvl6pPr marL="2286000" algn="l" defTabSz="457200" rtl="0" eaLnBrk="1" latinLnBrk="0" hangingPunct="1">
+      <a:defRPr sz="1800" kern="1200">
         <a:solidFill>
           <a:schemeClr val="tx1"/>
         </a:solidFill>
@@ -74,8 +74,8 @@
         <a:cs typeface="+mn-cs"/>
       </a:defRPr>
     </a:lvl6pPr>
-    <a:lvl7pPr marL="3109929" algn="l" defTabSz="1036643" rtl="0" eaLnBrk="1" latinLnBrk="0" hangingPunct="1">
-      <a:defRPr sz="2040" kern="1200">
+    <a:lvl7pPr marL="2743200" algn="l" defTabSz="457200" rtl="0" eaLnBrk="1" latinLnBrk="0" hangingPunct="1">
+      <a:defRPr sz="1800" kern="1200">
         <a:solidFill>
           <a:schemeClr val="tx1"/>
         </a:solidFill>
@@ -84,8 +84,8 @@
         <a:cs typeface="+mn-cs"/>
       </a:defRPr>
     </a:lvl7pPr>
-    <a:lvl8pPr marL="3628250" algn="l" defTabSz="1036643" rtl="0" eaLnBrk="1" latinLnBrk="0" hangingPunct="1">
-      <a:defRPr sz="2040" kern="1200">
+    <a:lvl8pPr marL="3200400" algn="l" defTabSz="457200" rtl="0" eaLnBrk="1" latinLnBrk="0" hangingPunct="1">
+      <a:defRPr sz="1800" kern="1200">
         <a:solidFill>
           <a:schemeClr val="tx1"/>
         </a:solidFill>
@@ -94,8 +94,8 @@
         <a:cs typeface="+mn-cs"/>
       </a:defRPr>
     </a:lvl8pPr>
-    <a:lvl9pPr marL="4146572" algn="l" defTabSz="1036643" rtl="0" eaLnBrk="1" latinLnBrk="0" hangingPunct="1">
-      <a:defRPr sz="2040" kern="1200">
+    <a:lvl9pPr marL="3657600" algn="l" defTabSz="457200" rtl="0" eaLnBrk="1" latinLnBrk="0" hangingPunct="1">
+      <a:defRPr sz="1800" kern="1200">
         <a:solidFill>
           <a:schemeClr val="tx1"/>
         </a:solidFill>
@@ -115,7 +115,7 @@
 
 <file path=ppt/slideLayouts/slideLayout1.xml><?xml version="1.0" encoding="utf-8"?>
 <p:sldLayout xmlns:a="http://schemas.openxmlformats.org/drawingml/2006/main" xmlns:r="http://schemas.openxmlformats.org/officeDocument/2006/relationships" xmlns:p="http://schemas.openxmlformats.org/presentationml/2006/main" type="title" preserve="1">
-  <p:cSld name="标题幻灯片">
+  <p:cSld name="Title Slide">
     <p:spTree>
       <p:nvGrpSpPr>
         <p:cNvPr id="1" name=""/>
@@ -142,21 +142,21 @@
         </p:nvSpPr>
         <p:spPr>
           <a:xfrm>
-            <a:off x="1800027" y="1178222"/>
-            <a:ext cx="10800160" cy="2506427"/>
+            <a:off x="1529953" y="1178222"/>
+            <a:ext cx="9179719" cy="2506427"/>
           </a:xfrm>
         </p:spPr>
         <p:txBody>
           <a:bodyPr anchor="b"/>
           <a:lstStyle>
             <a:lvl1pPr algn="ctr">
-              <a:defRPr sz="6299"/>
+              <a:defRPr sz="6023"/>
             </a:lvl1pPr>
           </a:lstStyle>
           <a:p>
             <a:r>
-              <a:rPr lang="zh-CN" altLang="en-US" smtClean="0"/>
-              <a:t>单击此处编辑母版标题样式</a:t>
+              <a:rPr lang="en-GB"/>
+              <a:t>Click to edit Master title style</a:t>
             </a:r>
             <a:endParaRPr lang="en-US" dirty="0"/>
           </a:p>
@@ -174,8 +174,8 @@
         </p:nvSpPr>
         <p:spPr>
           <a:xfrm>
-            <a:off x="1800027" y="3781306"/>
-            <a:ext cx="10800160" cy="1738167"/>
+            <a:off x="1529953" y="3781306"/>
+            <a:ext cx="9179719" cy="1738167"/>
           </a:xfrm>
         </p:spPr>
         <p:txBody>
@@ -183,45 +183,45 @@
           <a:lstStyle>
             <a:lvl1pPr marL="0" indent="0" algn="ctr">
               <a:buNone/>
-              <a:defRPr sz="2520"/>
+              <a:defRPr sz="2409"/>
             </a:lvl1pPr>
-            <a:lvl2pPr marL="479969" indent="0" algn="ctr">
-              <a:buNone/>
-              <a:defRPr sz="2100"/>
+            <a:lvl2pPr marL="458983" indent="0" algn="ctr">
+              <a:buNone/>
+              <a:defRPr sz="2008"/>
             </a:lvl2pPr>
-            <a:lvl3pPr marL="959937" indent="0" algn="ctr">
-              <a:buNone/>
-              <a:defRPr sz="1890"/>
+            <a:lvl3pPr marL="917966" indent="0" algn="ctr">
+              <a:buNone/>
+              <a:defRPr sz="1807"/>
             </a:lvl3pPr>
-            <a:lvl4pPr marL="1439906" indent="0" algn="ctr">
-              <a:buNone/>
-              <a:defRPr sz="1680"/>
+            <a:lvl4pPr marL="1376949" indent="0" algn="ctr">
+              <a:buNone/>
+              <a:defRPr sz="1606"/>
             </a:lvl4pPr>
-            <a:lvl5pPr marL="1919874" indent="0" algn="ctr">
-              <a:buNone/>
-              <a:defRPr sz="1680"/>
+            <a:lvl5pPr marL="1835932" indent="0" algn="ctr">
+              <a:buNone/>
+              <a:defRPr sz="1606"/>
             </a:lvl5pPr>
-            <a:lvl6pPr marL="2399843" indent="0" algn="ctr">
-              <a:buNone/>
-              <a:defRPr sz="1680"/>
+            <a:lvl6pPr marL="2294915" indent="0" algn="ctr">
+              <a:buNone/>
+              <a:defRPr sz="1606"/>
             </a:lvl6pPr>
-            <a:lvl7pPr marL="2879811" indent="0" algn="ctr">
-              <a:buNone/>
-              <a:defRPr sz="1680"/>
+            <a:lvl7pPr marL="2753898" indent="0" algn="ctr">
+              <a:buNone/>
+              <a:defRPr sz="1606"/>
             </a:lvl7pPr>
-            <a:lvl8pPr marL="3359780" indent="0" algn="ctr">
-              <a:buNone/>
-              <a:defRPr sz="1680"/>
+            <a:lvl8pPr marL="3212882" indent="0" algn="ctr">
+              <a:buNone/>
+              <a:defRPr sz="1606"/>
             </a:lvl8pPr>
-            <a:lvl9pPr marL="3839748" indent="0" algn="ctr">
-              <a:buNone/>
-              <a:defRPr sz="1680"/>
+            <a:lvl9pPr marL="3671865" indent="0" algn="ctr">
+              <a:buNone/>
+              <a:defRPr sz="1606"/>
             </a:lvl9pPr>
           </a:lstStyle>
           <a:p>
             <a:r>
-              <a:rPr lang="zh-CN" altLang="en-US" smtClean="0"/>
-              <a:t>单击此处编辑母版副标题样式</a:t>
+              <a:rPr lang="en-GB"/>
+              <a:t>Click to edit Master subtitle style</a:t>
             </a:r>
             <a:endParaRPr lang="en-US" dirty="0"/>
           </a:p>
@@ -244,7 +244,7 @@
           <a:p>
             <a:fld id="{086FEB8E-2718-4465-8CCF-70A494D0B418}" type="datetimeFigureOut">
               <a:rPr lang="zh-CN" altLang="en-US" smtClean="0"/>
-              <a:t>2017/8/4</a:t>
+              <a:t>2020/11/18</a:t>
             </a:fld>
             <a:endParaRPr lang="zh-CN" altLang="en-US"/>
           </a:p>
@@ -295,7 +295,7 @@
     </p:spTree>
     <p:extLst>
       <p:ext uri="{BB962C8B-B14F-4D97-AF65-F5344CB8AC3E}">
-        <p14:creationId xmlns:p14="http://schemas.microsoft.com/office/powerpoint/2010/main" val="1777616917"/>
+        <p14:creationId xmlns:p14="http://schemas.microsoft.com/office/powerpoint/2010/main" val="2005502161"/>
       </p:ext>
     </p:extLst>
   </p:cSld>
@@ -307,7 +307,7 @@
 
 <file path=ppt/slideLayouts/slideLayout10.xml><?xml version="1.0" encoding="utf-8"?>
 <p:sldLayout xmlns:a="http://schemas.openxmlformats.org/drawingml/2006/main" xmlns:r="http://schemas.openxmlformats.org/officeDocument/2006/relationships" xmlns:p="http://schemas.openxmlformats.org/presentationml/2006/main" type="vertTx" preserve="1">
-  <p:cSld name="标题和竖排文字">
+  <p:cSld name="Title and Vertical Text">
     <p:spTree>
       <p:nvGrpSpPr>
         <p:cNvPr id="1" name=""/>
@@ -338,8 +338,8 @@
           <a:lstStyle/>
           <a:p>
             <a:r>
-              <a:rPr lang="zh-CN" altLang="en-US" smtClean="0"/>
-              <a:t>单击此处编辑母版标题样式</a:t>
+              <a:rPr lang="en-GB"/>
+              <a:t>Click to edit Master title style</a:t>
             </a:r>
             <a:endParaRPr lang="en-US" dirty="0"/>
           </a:p>
@@ -362,36 +362,36 @@
           <a:p>
             <a:pPr lvl="0"/>
             <a:r>
-              <a:rPr lang="zh-CN" altLang="en-US" smtClean="0"/>
-              <a:t>单击此处编辑母版文本样式</a:t>
+              <a:rPr lang="en-GB"/>
+              <a:t>Click to edit Master text styles</a:t>
             </a:r>
           </a:p>
           <a:p>
             <a:pPr lvl="1"/>
             <a:r>
-              <a:rPr lang="zh-CN" altLang="en-US" smtClean="0"/>
-              <a:t>第二级</a:t>
+              <a:rPr lang="en-GB"/>
+              <a:t>Second level</a:t>
             </a:r>
           </a:p>
           <a:p>
             <a:pPr lvl="2"/>
             <a:r>
-              <a:rPr lang="zh-CN" altLang="en-US" smtClean="0"/>
-              <a:t>第三级</a:t>
+              <a:rPr lang="en-GB"/>
+              <a:t>Third level</a:t>
             </a:r>
           </a:p>
           <a:p>
             <a:pPr lvl="3"/>
             <a:r>
-              <a:rPr lang="zh-CN" altLang="en-US" smtClean="0"/>
-              <a:t>第四级</a:t>
+              <a:rPr lang="en-GB"/>
+              <a:t>Fourth level</a:t>
             </a:r>
           </a:p>
           <a:p>
             <a:pPr lvl="4"/>
             <a:r>
-              <a:rPr lang="zh-CN" altLang="en-US" smtClean="0"/>
-              <a:t>第五级</a:t>
+              <a:rPr lang="en-GB"/>
+              <a:t>Fifth level</a:t>
             </a:r>
             <a:endParaRPr lang="en-US" dirty="0"/>
           </a:p>
@@ -414,7 +414,7 @@
           <a:p>
             <a:fld id="{086FEB8E-2718-4465-8CCF-70A494D0B418}" type="datetimeFigureOut">
               <a:rPr lang="zh-CN" altLang="en-US" smtClean="0"/>
-              <a:t>2017/8/4</a:t>
+              <a:t>2020/11/18</a:t>
             </a:fld>
             <a:endParaRPr lang="zh-CN" altLang="en-US"/>
           </a:p>
@@ -465,7 +465,7 @@
     </p:spTree>
     <p:extLst>
       <p:ext uri="{BB962C8B-B14F-4D97-AF65-F5344CB8AC3E}">
-        <p14:creationId xmlns:p14="http://schemas.microsoft.com/office/powerpoint/2010/main" val="3543456977"/>
+        <p14:creationId xmlns:p14="http://schemas.microsoft.com/office/powerpoint/2010/main" val="1507089178"/>
       </p:ext>
     </p:extLst>
   </p:cSld>
@@ -477,7 +477,7 @@
 
 <file path=ppt/slideLayouts/slideLayout11.xml><?xml version="1.0" encoding="utf-8"?>
 <p:sldLayout xmlns:a="http://schemas.openxmlformats.org/drawingml/2006/main" xmlns:r="http://schemas.openxmlformats.org/officeDocument/2006/relationships" xmlns:p="http://schemas.openxmlformats.org/presentationml/2006/main" type="vertTitleAndTx" preserve="1">
-  <p:cSld name="垂直排列标题与&#10;文本">
+  <p:cSld name="Vertical Title and Text">
     <p:spTree>
       <p:nvGrpSpPr>
         <p:cNvPr id="1" name=""/>
@@ -504,8 +504,8 @@
         </p:nvSpPr>
         <p:spPr>
           <a:xfrm>
-            <a:off x="10305152" y="383297"/>
-            <a:ext cx="3105046" cy="6101085"/>
+            <a:off x="8758982" y="383297"/>
+            <a:ext cx="2639169" cy="6101085"/>
           </a:xfrm>
         </p:spPr>
         <p:txBody>
@@ -513,8 +513,8 @@
           <a:lstStyle/>
           <a:p>
             <a:r>
-              <a:rPr lang="zh-CN" altLang="en-US" smtClean="0"/>
-              <a:t>单击此处编辑母版标题样式</a:t>
+              <a:rPr lang="en-GB"/>
+              <a:t>Click to edit Master title style</a:t>
             </a:r>
             <a:endParaRPr lang="en-US" dirty="0"/>
           </a:p>
@@ -532,8 +532,8 @@
         </p:nvSpPr>
         <p:spPr>
           <a:xfrm>
-            <a:off x="990015" y="383297"/>
-            <a:ext cx="9135135" cy="6101085"/>
+            <a:off x="841474" y="383297"/>
+            <a:ext cx="7764512" cy="6101085"/>
           </a:xfrm>
         </p:spPr>
         <p:txBody>
@@ -542,36 +542,36 @@
           <a:p>
             <a:pPr lvl="0"/>
             <a:r>
-              <a:rPr lang="zh-CN" altLang="en-US" smtClean="0"/>
-              <a:t>单击此处编辑母版文本样式</a:t>
+              <a:rPr lang="en-GB"/>
+              <a:t>Click to edit Master text styles</a:t>
             </a:r>
           </a:p>
           <a:p>
             <a:pPr lvl="1"/>
             <a:r>
-              <a:rPr lang="zh-CN" altLang="en-US" smtClean="0"/>
-              <a:t>第二级</a:t>
+              <a:rPr lang="en-GB"/>
+              <a:t>Second level</a:t>
             </a:r>
           </a:p>
           <a:p>
             <a:pPr lvl="2"/>
             <a:r>
-              <a:rPr lang="zh-CN" altLang="en-US" smtClean="0"/>
-              <a:t>第三级</a:t>
+              <a:rPr lang="en-GB"/>
+              <a:t>Third level</a:t>
             </a:r>
           </a:p>
           <a:p>
             <a:pPr lvl="3"/>
             <a:r>
-              <a:rPr lang="zh-CN" altLang="en-US" smtClean="0"/>
-              <a:t>第四级</a:t>
+              <a:rPr lang="en-GB"/>
+              <a:t>Fourth level</a:t>
             </a:r>
           </a:p>
           <a:p>
             <a:pPr lvl="4"/>
             <a:r>
-              <a:rPr lang="zh-CN" altLang="en-US" smtClean="0"/>
-              <a:t>第五级</a:t>
+              <a:rPr lang="en-GB"/>
+              <a:t>Fifth level</a:t>
             </a:r>
             <a:endParaRPr lang="en-US" dirty="0"/>
           </a:p>
@@ -594,7 +594,7 @@
           <a:p>
             <a:fld id="{086FEB8E-2718-4465-8CCF-70A494D0B418}" type="datetimeFigureOut">
               <a:rPr lang="zh-CN" altLang="en-US" smtClean="0"/>
-              <a:t>2017/8/4</a:t>
+              <a:t>2020/11/18</a:t>
             </a:fld>
             <a:endParaRPr lang="zh-CN" altLang="en-US"/>
           </a:p>
@@ -645,7 +645,7 @@
     </p:spTree>
     <p:extLst>
       <p:ext uri="{BB962C8B-B14F-4D97-AF65-F5344CB8AC3E}">
-        <p14:creationId xmlns:p14="http://schemas.microsoft.com/office/powerpoint/2010/main" val="4157535533"/>
+        <p14:creationId xmlns:p14="http://schemas.microsoft.com/office/powerpoint/2010/main" val="446628764"/>
       </p:ext>
     </p:extLst>
   </p:cSld>
@@ -657,7 +657,7 @@
 
 <file path=ppt/slideLayouts/slideLayout2.xml><?xml version="1.0" encoding="utf-8"?>
 <p:sldLayout xmlns:a="http://schemas.openxmlformats.org/drawingml/2006/main" xmlns:r="http://schemas.openxmlformats.org/officeDocument/2006/relationships" xmlns:p="http://schemas.openxmlformats.org/presentationml/2006/main" type="obj" preserve="1">
-  <p:cSld name="标题和内容">
+  <p:cSld name="Title and Content">
     <p:spTree>
       <p:nvGrpSpPr>
         <p:cNvPr id="1" name=""/>
@@ -688,8 +688,8 @@
           <a:lstStyle/>
           <a:p>
             <a:r>
-              <a:rPr lang="zh-CN" altLang="en-US" smtClean="0"/>
-              <a:t>单击此处编辑母版标题样式</a:t>
+              <a:rPr lang="en-GB"/>
+              <a:t>Click to edit Master title style</a:t>
             </a:r>
             <a:endParaRPr lang="en-US" dirty="0"/>
           </a:p>
@@ -712,36 +712,36 @@
           <a:p>
             <a:pPr lvl="0"/>
             <a:r>
-              <a:rPr lang="zh-CN" altLang="en-US" smtClean="0"/>
-              <a:t>单击此处编辑母版文本样式</a:t>
+              <a:rPr lang="en-GB"/>
+              <a:t>Click to edit Master text styles</a:t>
             </a:r>
           </a:p>
           <a:p>
             <a:pPr lvl="1"/>
             <a:r>
-              <a:rPr lang="zh-CN" altLang="en-US" smtClean="0"/>
-              <a:t>第二级</a:t>
+              <a:rPr lang="en-GB"/>
+              <a:t>Second level</a:t>
             </a:r>
           </a:p>
           <a:p>
             <a:pPr lvl="2"/>
             <a:r>
-              <a:rPr lang="zh-CN" altLang="en-US" smtClean="0"/>
-              <a:t>第三级</a:t>
+              <a:rPr lang="en-GB"/>
+              <a:t>Third level</a:t>
             </a:r>
           </a:p>
           <a:p>
             <a:pPr lvl="3"/>
             <a:r>
-              <a:rPr lang="zh-CN" altLang="en-US" smtClean="0"/>
-              <a:t>第四级</a:t>
+              <a:rPr lang="en-GB"/>
+              <a:t>Fourth level</a:t>
             </a:r>
           </a:p>
           <a:p>
             <a:pPr lvl="4"/>
             <a:r>
-              <a:rPr lang="zh-CN" altLang="en-US" smtClean="0"/>
-              <a:t>第五级</a:t>
+              <a:rPr lang="en-GB"/>
+              <a:t>Fifth level</a:t>
             </a:r>
             <a:endParaRPr lang="en-US" dirty="0"/>
           </a:p>
@@ -764,7 +764,7 @@
           <a:p>
             <a:fld id="{086FEB8E-2718-4465-8CCF-70A494D0B418}" type="datetimeFigureOut">
               <a:rPr lang="zh-CN" altLang="en-US" smtClean="0"/>
-              <a:t>2017/8/4</a:t>
+              <a:t>2020/11/18</a:t>
             </a:fld>
             <a:endParaRPr lang="zh-CN" altLang="en-US"/>
           </a:p>
@@ -815,7 +815,7 @@
     </p:spTree>
     <p:extLst>
       <p:ext uri="{BB962C8B-B14F-4D97-AF65-F5344CB8AC3E}">
-        <p14:creationId xmlns:p14="http://schemas.microsoft.com/office/powerpoint/2010/main" val="1220231037"/>
+        <p14:creationId xmlns:p14="http://schemas.microsoft.com/office/powerpoint/2010/main" val="2293023175"/>
       </p:ext>
     </p:extLst>
   </p:cSld>
@@ -827,7 +827,7 @@
 
 <file path=ppt/slideLayouts/slideLayout3.xml><?xml version="1.0" encoding="utf-8"?>
 <p:sldLayout xmlns:a="http://schemas.openxmlformats.org/drawingml/2006/main" xmlns:r="http://schemas.openxmlformats.org/officeDocument/2006/relationships" xmlns:p="http://schemas.openxmlformats.org/presentationml/2006/main" type="secHead" preserve="1">
-  <p:cSld name="节标题">
+  <p:cSld name="Section Header">
     <p:spTree>
       <p:nvGrpSpPr>
         <p:cNvPr id="1" name=""/>
@@ -854,21 +854,21 @@
         </p:nvSpPr>
         <p:spPr>
           <a:xfrm>
-            <a:off x="982514" y="1794830"/>
-            <a:ext cx="12420184" cy="2994714"/>
+            <a:off x="835099" y="1794830"/>
+            <a:ext cx="10556677" cy="2994714"/>
           </a:xfrm>
         </p:spPr>
         <p:txBody>
           <a:bodyPr anchor="b"/>
           <a:lstStyle>
             <a:lvl1pPr>
-              <a:defRPr sz="6299"/>
+              <a:defRPr sz="6023"/>
             </a:lvl1pPr>
           </a:lstStyle>
           <a:p>
             <a:r>
-              <a:rPr lang="zh-CN" altLang="en-US" smtClean="0"/>
-              <a:t>单击此处编辑母版标题样式</a:t>
+              <a:rPr lang="en-GB"/>
+              <a:t>Click to edit Master title style</a:t>
             </a:r>
             <a:endParaRPr lang="en-US" dirty="0"/>
           </a:p>
@@ -886,8 +886,8 @@
         </p:nvSpPr>
         <p:spPr>
           <a:xfrm>
-            <a:off x="982514" y="4817875"/>
-            <a:ext cx="12420184" cy="1574849"/>
+            <a:off x="835099" y="4817875"/>
+            <a:ext cx="10556677" cy="1574849"/>
           </a:xfrm>
         </p:spPr>
         <p:txBody>
@@ -895,7 +895,7 @@
           <a:lstStyle>
             <a:lvl1pPr marL="0" indent="0">
               <a:buNone/>
-              <a:defRPr sz="2520">
+              <a:defRPr sz="2409">
                 <a:solidFill>
                   <a:schemeClr val="tx1">
                     <a:tint val="75000"/>
@@ -903,9 +903,9 @@
                 </a:solidFill>
               </a:defRPr>
             </a:lvl1pPr>
-            <a:lvl2pPr marL="479969" indent="0">
-              <a:buNone/>
-              <a:defRPr sz="2100">
+            <a:lvl2pPr marL="458983" indent="0">
+              <a:buNone/>
+              <a:defRPr sz="2008">
                 <a:solidFill>
                   <a:schemeClr val="tx1">
                     <a:tint val="75000"/>
@@ -913,9 +913,9 @@
                 </a:solidFill>
               </a:defRPr>
             </a:lvl2pPr>
-            <a:lvl3pPr marL="959937" indent="0">
-              <a:buNone/>
-              <a:defRPr sz="1890">
+            <a:lvl3pPr marL="917966" indent="0">
+              <a:buNone/>
+              <a:defRPr sz="1807">
                 <a:solidFill>
                   <a:schemeClr val="tx1">
                     <a:tint val="75000"/>
@@ -923,9 +923,9 @@
                 </a:solidFill>
               </a:defRPr>
             </a:lvl3pPr>
-            <a:lvl4pPr marL="1439906" indent="0">
-              <a:buNone/>
-              <a:defRPr sz="1680">
+            <a:lvl4pPr marL="1376949" indent="0">
+              <a:buNone/>
+              <a:defRPr sz="1606">
                 <a:solidFill>
                   <a:schemeClr val="tx1">
                     <a:tint val="75000"/>
@@ -933,9 +933,9 @@
                 </a:solidFill>
               </a:defRPr>
             </a:lvl4pPr>
-            <a:lvl5pPr marL="1919874" indent="0">
-              <a:buNone/>
-              <a:defRPr sz="1680">
+            <a:lvl5pPr marL="1835932" indent="0">
+              <a:buNone/>
+              <a:defRPr sz="1606">
                 <a:solidFill>
                   <a:schemeClr val="tx1">
                     <a:tint val="75000"/>
@@ -943,9 +943,9 @@
                 </a:solidFill>
               </a:defRPr>
             </a:lvl5pPr>
-            <a:lvl6pPr marL="2399843" indent="0">
-              <a:buNone/>
-              <a:defRPr sz="1680">
+            <a:lvl6pPr marL="2294915" indent="0">
+              <a:buNone/>
+              <a:defRPr sz="1606">
                 <a:solidFill>
                   <a:schemeClr val="tx1">
                     <a:tint val="75000"/>
@@ -953,9 +953,9 @@
                 </a:solidFill>
               </a:defRPr>
             </a:lvl6pPr>
-            <a:lvl7pPr marL="2879811" indent="0">
-              <a:buNone/>
-              <a:defRPr sz="1680">
+            <a:lvl7pPr marL="2753898" indent="0">
+              <a:buNone/>
+              <a:defRPr sz="1606">
                 <a:solidFill>
                   <a:schemeClr val="tx1">
                     <a:tint val="75000"/>
@@ -963,9 +963,9 @@
                 </a:solidFill>
               </a:defRPr>
             </a:lvl7pPr>
-            <a:lvl8pPr marL="3359780" indent="0">
-              <a:buNone/>
-              <a:defRPr sz="1680">
+            <a:lvl8pPr marL="3212882" indent="0">
+              <a:buNone/>
+              <a:defRPr sz="1606">
                 <a:solidFill>
                   <a:schemeClr val="tx1">
                     <a:tint val="75000"/>
@@ -973,9 +973,9 @@
                 </a:solidFill>
               </a:defRPr>
             </a:lvl8pPr>
-            <a:lvl9pPr marL="3839748" indent="0">
-              <a:buNone/>
-              <a:defRPr sz="1680">
+            <a:lvl9pPr marL="3671865" indent="0">
+              <a:buNone/>
+              <a:defRPr sz="1606">
                 <a:solidFill>
                   <a:schemeClr val="tx1">
                     <a:tint val="75000"/>
@@ -987,8 +987,8 @@
           <a:p>
             <a:pPr lvl="0"/>
             <a:r>
-              <a:rPr lang="zh-CN" altLang="en-US" smtClean="0"/>
-              <a:t>单击此处编辑母版文本样式</a:t>
+              <a:rPr lang="en-GB"/>
+              <a:t>Click to edit Master text styles</a:t>
             </a:r>
           </a:p>
         </p:txBody>
@@ -1010,7 +1010,7 @@
           <a:p>
             <a:fld id="{086FEB8E-2718-4465-8CCF-70A494D0B418}" type="datetimeFigureOut">
               <a:rPr lang="zh-CN" altLang="en-US" smtClean="0"/>
-              <a:t>2017/8/4</a:t>
+              <a:t>2020/11/18</a:t>
             </a:fld>
             <a:endParaRPr lang="zh-CN" altLang="en-US"/>
           </a:p>
@@ -1061,7 +1061,7 @@
     </p:spTree>
     <p:extLst>
       <p:ext uri="{BB962C8B-B14F-4D97-AF65-F5344CB8AC3E}">
-        <p14:creationId xmlns:p14="http://schemas.microsoft.com/office/powerpoint/2010/main" val="743608565"/>
+        <p14:creationId xmlns:p14="http://schemas.microsoft.com/office/powerpoint/2010/main" val="1448928130"/>
       </p:ext>
     </p:extLst>
   </p:cSld>
@@ -1073,7 +1073,7 @@
 
 <file path=ppt/slideLayouts/slideLayout4.xml><?xml version="1.0" encoding="utf-8"?>
 <p:sldLayout xmlns:a="http://schemas.openxmlformats.org/drawingml/2006/main" xmlns:r="http://schemas.openxmlformats.org/officeDocument/2006/relationships" xmlns:p="http://schemas.openxmlformats.org/presentationml/2006/main" type="twoObj" preserve="1">
-  <p:cSld name="两栏内容">
+  <p:cSld name="Two Content">
     <p:spTree>
       <p:nvGrpSpPr>
         <p:cNvPr id="1" name=""/>
@@ -1104,8 +1104,8 @@
           <a:lstStyle/>
           <a:p>
             <a:r>
-              <a:rPr lang="zh-CN" altLang="en-US" smtClean="0"/>
-              <a:t>单击此处编辑母版标题样式</a:t>
+              <a:rPr lang="en-GB"/>
+              <a:t>Click to edit Master title style</a:t>
             </a:r>
             <a:endParaRPr lang="en-US" dirty="0"/>
           </a:p>
@@ -1123,8 +1123,8 @@
         </p:nvSpPr>
         <p:spPr>
           <a:xfrm>
-            <a:off x="990014" y="1916484"/>
-            <a:ext cx="6120091" cy="4567898"/>
+            <a:off x="841474" y="1916484"/>
+            <a:ext cx="5201841" cy="4567898"/>
           </a:xfrm>
         </p:spPr>
         <p:txBody>
@@ -1133,36 +1133,36 @@
           <a:p>
             <a:pPr lvl="0"/>
             <a:r>
-              <a:rPr lang="zh-CN" altLang="en-US" smtClean="0"/>
-              <a:t>单击此处编辑母版文本样式</a:t>
+              <a:rPr lang="en-GB"/>
+              <a:t>Click to edit Master text styles</a:t>
             </a:r>
           </a:p>
           <a:p>
             <a:pPr lvl="1"/>
             <a:r>
-              <a:rPr lang="zh-CN" altLang="en-US" smtClean="0"/>
-              <a:t>第二级</a:t>
+              <a:rPr lang="en-GB"/>
+              <a:t>Second level</a:t>
             </a:r>
           </a:p>
           <a:p>
             <a:pPr lvl="2"/>
             <a:r>
-              <a:rPr lang="zh-CN" altLang="en-US" smtClean="0"/>
-              <a:t>第三级</a:t>
+              <a:rPr lang="en-GB"/>
+              <a:t>Third level</a:t>
             </a:r>
           </a:p>
           <a:p>
             <a:pPr lvl="3"/>
             <a:r>
-              <a:rPr lang="zh-CN" altLang="en-US" smtClean="0"/>
-              <a:t>第四级</a:t>
+              <a:rPr lang="en-GB"/>
+              <a:t>Fourth level</a:t>
             </a:r>
           </a:p>
           <a:p>
             <a:pPr lvl="4"/>
             <a:r>
-              <a:rPr lang="zh-CN" altLang="en-US" smtClean="0"/>
-              <a:t>第五级</a:t>
+              <a:rPr lang="en-GB"/>
+              <a:t>Fifth level</a:t>
             </a:r>
             <a:endParaRPr lang="en-US" dirty="0"/>
           </a:p>
@@ -1180,8 +1180,8 @@
         </p:nvSpPr>
         <p:spPr>
           <a:xfrm>
-            <a:off x="7290108" y="1916484"/>
-            <a:ext cx="6120091" cy="4567898"/>
+            <a:off x="6196310" y="1916484"/>
+            <a:ext cx="5201841" cy="4567898"/>
           </a:xfrm>
         </p:spPr>
         <p:txBody>
@@ -1190,36 +1190,36 @@
           <a:p>
             <a:pPr lvl="0"/>
             <a:r>
-              <a:rPr lang="zh-CN" altLang="en-US" smtClean="0"/>
-              <a:t>单击此处编辑母版文本样式</a:t>
+              <a:rPr lang="en-GB"/>
+              <a:t>Click to edit Master text styles</a:t>
             </a:r>
           </a:p>
           <a:p>
             <a:pPr lvl="1"/>
             <a:r>
-              <a:rPr lang="zh-CN" altLang="en-US" smtClean="0"/>
-              <a:t>第二级</a:t>
+              <a:rPr lang="en-GB"/>
+              <a:t>Second level</a:t>
             </a:r>
           </a:p>
           <a:p>
             <a:pPr lvl="2"/>
             <a:r>
-              <a:rPr lang="zh-CN" altLang="en-US" smtClean="0"/>
-              <a:t>第三级</a:t>
+              <a:rPr lang="en-GB"/>
+              <a:t>Third level</a:t>
             </a:r>
           </a:p>
           <a:p>
             <a:pPr lvl="3"/>
             <a:r>
-              <a:rPr lang="zh-CN" altLang="en-US" smtClean="0"/>
-              <a:t>第四级</a:t>
+              <a:rPr lang="en-GB"/>
+              <a:t>Fourth level</a:t>
             </a:r>
           </a:p>
           <a:p>
             <a:pPr lvl="4"/>
             <a:r>
-              <a:rPr lang="zh-CN" altLang="en-US" smtClean="0"/>
-              <a:t>第五级</a:t>
+              <a:rPr lang="en-GB"/>
+              <a:t>Fifth level</a:t>
             </a:r>
             <a:endParaRPr lang="en-US" dirty="0"/>
           </a:p>
@@ -1242,7 +1242,7 @@
           <a:p>
             <a:fld id="{086FEB8E-2718-4465-8CCF-70A494D0B418}" type="datetimeFigureOut">
               <a:rPr lang="zh-CN" altLang="en-US" smtClean="0"/>
-              <a:t>2017/8/4</a:t>
+              <a:t>2020/11/18</a:t>
             </a:fld>
             <a:endParaRPr lang="zh-CN" altLang="en-US"/>
           </a:p>
@@ -1293,7 +1293,7 @@
     </p:spTree>
     <p:extLst>
       <p:ext uri="{BB962C8B-B14F-4D97-AF65-F5344CB8AC3E}">
-        <p14:creationId xmlns:p14="http://schemas.microsoft.com/office/powerpoint/2010/main" val="2668567631"/>
+        <p14:creationId xmlns:p14="http://schemas.microsoft.com/office/powerpoint/2010/main" val="1043369378"/>
       </p:ext>
     </p:extLst>
   </p:cSld>
@@ -1305,7 +1305,7 @@
 
 <file path=ppt/slideLayouts/slideLayout5.xml><?xml version="1.0" encoding="utf-8"?>
 <p:sldLayout xmlns:a="http://schemas.openxmlformats.org/drawingml/2006/main" xmlns:r="http://schemas.openxmlformats.org/officeDocument/2006/relationships" xmlns:p="http://schemas.openxmlformats.org/presentationml/2006/main" type="twoTxTwoObj" preserve="1">
-  <p:cSld name="比较">
+  <p:cSld name="Comparison">
     <p:spTree>
       <p:nvGrpSpPr>
         <p:cNvPr id="1" name=""/>
@@ -1332,8 +1332,8 @@
         </p:nvSpPr>
         <p:spPr>
           <a:xfrm>
-            <a:off x="991890" y="383297"/>
-            <a:ext cx="12420184" cy="1391534"/>
+            <a:off x="843068" y="383297"/>
+            <a:ext cx="10556677" cy="1391534"/>
           </a:xfrm>
         </p:spPr>
         <p:txBody>
@@ -1341,8 +1341,8 @@
           <a:lstStyle/>
           <a:p>
             <a:r>
-              <a:rPr lang="zh-CN" altLang="en-US" smtClean="0"/>
-              <a:t>单击此处编辑母版标题样式</a:t>
+              <a:rPr lang="en-GB"/>
+              <a:t>Click to edit Master title style</a:t>
             </a:r>
             <a:endParaRPr lang="en-US" dirty="0"/>
           </a:p>
@@ -1360,8 +1360,8 @@
         </p:nvSpPr>
         <p:spPr>
           <a:xfrm>
-            <a:off x="991891" y="1764832"/>
-            <a:ext cx="6091965" cy="864917"/>
+            <a:off x="843069" y="1764832"/>
+            <a:ext cx="5177935" cy="864917"/>
           </a:xfrm>
         </p:spPr>
         <p:txBody>
@@ -1369,46 +1369,46 @@
           <a:lstStyle>
             <a:lvl1pPr marL="0" indent="0">
               <a:buNone/>
-              <a:defRPr sz="2520" b="1"/>
+              <a:defRPr sz="2409" b="1"/>
             </a:lvl1pPr>
-            <a:lvl2pPr marL="479969" indent="0">
-              <a:buNone/>
-              <a:defRPr sz="2100" b="1"/>
+            <a:lvl2pPr marL="458983" indent="0">
+              <a:buNone/>
+              <a:defRPr sz="2008" b="1"/>
             </a:lvl2pPr>
-            <a:lvl3pPr marL="959937" indent="0">
-              <a:buNone/>
-              <a:defRPr sz="1890" b="1"/>
+            <a:lvl3pPr marL="917966" indent="0">
+              <a:buNone/>
+              <a:defRPr sz="1807" b="1"/>
             </a:lvl3pPr>
-            <a:lvl4pPr marL="1439906" indent="0">
-              <a:buNone/>
-              <a:defRPr sz="1680" b="1"/>
+            <a:lvl4pPr marL="1376949" indent="0">
+              <a:buNone/>
+              <a:defRPr sz="1606" b="1"/>
             </a:lvl4pPr>
-            <a:lvl5pPr marL="1919874" indent="0">
-              <a:buNone/>
-              <a:defRPr sz="1680" b="1"/>
+            <a:lvl5pPr marL="1835932" indent="0">
+              <a:buNone/>
+              <a:defRPr sz="1606" b="1"/>
             </a:lvl5pPr>
-            <a:lvl6pPr marL="2399843" indent="0">
-              <a:buNone/>
-              <a:defRPr sz="1680" b="1"/>
+            <a:lvl6pPr marL="2294915" indent="0">
+              <a:buNone/>
+              <a:defRPr sz="1606" b="1"/>
             </a:lvl6pPr>
-            <a:lvl7pPr marL="2879811" indent="0">
-              <a:buNone/>
-              <a:defRPr sz="1680" b="1"/>
+            <a:lvl7pPr marL="2753898" indent="0">
+              <a:buNone/>
+              <a:defRPr sz="1606" b="1"/>
             </a:lvl7pPr>
-            <a:lvl8pPr marL="3359780" indent="0">
-              <a:buNone/>
-              <a:defRPr sz="1680" b="1"/>
+            <a:lvl8pPr marL="3212882" indent="0">
+              <a:buNone/>
+              <a:defRPr sz="1606" b="1"/>
             </a:lvl8pPr>
-            <a:lvl9pPr marL="3839748" indent="0">
-              <a:buNone/>
-              <a:defRPr sz="1680" b="1"/>
+            <a:lvl9pPr marL="3671865" indent="0">
+              <a:buNone/>
+              <a:defRPr sz="1606" b="1"/>
             </a:lvl9pPr>
           </a:lstStyle>
           <a:p>
             <a:pPr lvl="0"/>
             <a:r>
-              <a:rPr lang="zh-CN" altLang="en-US" smtClean="0"/>
-              <a:t>单击此处编辑母版文本样式</a:t>
+              <a:rPr lang="en-GB"/>
+              <a:t>Click to edit Master text styles</a:t>
             </a:r>
           </a:p>
         </p:txBody>
@@ -1425,8 +1425,8 @@
         </p:nvSpPr>
         <p:spPr>
           <a:xfrm>
-            <a:off x="991891" y="2629749"/>
-            <a:ext cx="6091965" cy="3867965"/>
+            <a:off x="843069" y="2629749"/>
+            <a:ext cx="5177935" cy="3867965"/>
           </a:xfrm>
         </p:spPr>
         <p:txBody>
@@ -1435,36 +1435,36 @@
           <a:p>
             <a:pPr lvl="0"/>
             <a:r>
-              <a:rPr lang="zh-CN" altLang="en-US" smtClean="0"/>
-              <a:t>单击此处编辑母版文本样式</a:t>
+              <a:rPr lang="en-GB"/>
+              <a:t>Click to edit Master text styles</a:t>
             </a:r>
           </a:p>
           <a:p>
             <a:pPr lvl="1"/>
             <a:r>
-              <a:rPr lang="zh-CN" altLang="en-US" smtClean="0"/>
-              <a:t>第二级</a:t>
+              <a:rPr lang="en-GB"/>
+              <a:t>Second level</a:t>
             </a:r>
           </a:p>
           <a:p>
             <a:pPr lvl="2"/>
             <a:r>
-              <a:rPr lang="zh-CN" altLang="en-US" smtClean="0"/>
-              <a:t>第三级</a:t>
+              <a:rPr lang="en-GB"/>
+              <a:t>Third level</a:t>
             </a:r>
           </a:p>
           <a:p>
             <a:pPr lvl="3"/>
             <a:r>
-              <a:rPr lang="zh-CN" altLang="en-US" smtClean="0"/>
-              <a:t>第四级</a:t>
+              <a:rPr lang="en-GB"/>
+              <a:t>Fourth level</a:t>
             </a:r>
           </a:p>
           <a:p>
             <a:pPr lvl="4"/>
             <a:r>
-              <a:rPr lang="zh-CN" altLang="en-US" smtClean="0"/>
-              <a:t>第五级</a:t>
+              <a:rPr lang="en-GB"/>
+              <a:t>Fifth level</a:t>
             </a:r>
             <a:endParaRPr lang="en-US" dirty="0"/>
           </a:p>
@@ -1482,8 +1482,8 @@
         </p:nvSpPr>
         <p:spPr>
           <a:xfrm>
-            <a:off x="7290108" y="1764832"/>
-            <a:ext cx="6121966" cy="864917"/>
+            <a:off x="6196310" y="1764832"/>
+            <a:ext cx="5203435" cy="864917"/>
           </a:xfrm>
         </p:spPr>
         <p:txBody>
@@ -1491,46 +1491,46 @@
           <a:lstStyle>
             <a:lvl1pPr marL="0" indent="0">
               <a:buNone/>
-              <a:defRPr sz="2520" b="1"/>
+              <a:defRPr sz="2409" b="1"/>
             </a:lvl1pPr>
-            <a:lvl2pPr marL="479969" indent="0">
-              <a:buNone/>
-              <a:defRPr sz="2100" b="1"/>
+            <a:lvl2pPr marL="458983" indent="0">
+              <a:buNone/>
+              <a:defRPr sz="2008" b="1"/>
             </a:lvl2pPr>
-            <a:lvl3pPr marL="959937" indent="0">
-              <a:buNone/>
-              <a:defRPr sz="1890" b="1"/>
+            <a:lvl3pPr marL="917966" indent="0">
+              <a:buNone/>
+              <a:defRPr sz="1807" b="1"/>
             </a:lvl3pPr>
-            <a:lvl4pPr marL="1439906" indent="0">
-              <a:buNone/>
-              <a:defRPr sz="1680" b="1"/>
+            <a:lvl4pPr marL="1376949" indent="0">
+              <a:buNone/>
+              <a:defRPr sz="1606" b="1"/>
             </a:lvl4pPr>
-            <a:lvl5pPr marL="1919874" indent="0">
-              <a:buNone/>
-              <a:defRPr sz="1680" b="1"/>
+            <a:lvl5pPr marL="1835932" indent="0">
+              <a:buNone/>
+              <a:defRPr sz="1606" b="1"/>
             </a:lvl5pPr>
-            <a:lvl6pPr marL="2399843" indent="0">
-              <a:buNone/>
-              <a:defRPr sz="1680" b="1"/>
+            <a:lvl6pPr marL="2294915" indent="0">
+              <a:buNone/>
+              <a:defRPr sz="1606" b="1"/>
             </a:lvl6pPr>
-            <a:lvl7pPr marL="2879811" indent="0">
-              <a:buNone/>
-              <a:defRPr sz="1680" b="1"/>
+            <a:lvl7pPr marL="2753898" indent="0">
+              <a:buNone/>
+              <a:defRPr sz="1606" b="1"/>
             </a:lvl7pPr>
-            <a:lvl8pPr marL="3359780" indent="0">
-              <a:buNone/>
-              <a:defRPr sz="1680" b="1"/>
+            <a:lvl8pPr marL="3212882" indent="0">
+              <a:buNone/>
+              <a:defRPr sz="1606" b="1"/>
             </a:lvl8pPr>
-            <a:lvl9pPr marL="3839748" indent="0">
-              <a:buNone/>
-              <a:defRPr sz="1680" b="1"/>
+            <a:lvl9pPr marL="3671865" indent="0">
+              <a:buNone/>
+              <a:defRPr sz="1606" b="1"/>
             </a:lvl9pPr>
           </a:lstStyle>
           <a:p>
             <a:pPr lvl="0"/>
             <a:r>
-              <a:rPr lang="zh-CN" altLang="en-US" smtClean="0"/>
-              <a:t>单击此处编辑母版文本样式</a:t>
+              <a:rPr lang="en-GB"/>
+              <a:t>Click to edit Master text styles</a:t>
             </a:r>
           </a:p>
         </p:txBody>
@@ -1547,8 +1547,8 @@
         </p:nvSpPr>
         <p:spPr>
           <a:xfrm>
-            <a:off x="7290108" y="2629749"/>
-            <a:ext cx="6121966" cy="3867965"/>
+            <a:off x="6196310" y="2629749"/>
+            <a:ext cx="5203435" cy="3867965"/>
           </a:xfrm>
         </p:spPr>
         <p:txBody>
@@ -1557,36 +1557,36 @@
           <a:p>
             <a:pPr lvl="0"/>
             <a:r>
-              <a:rPr lang="zh-CN" altLang="en-US" smtClean="0"/>
-              <a:t>单击此处编辑母版文本样式</a:t>
+              <a:rPr lang="en-GB"/>
+              <a:t>Click to edit Master text styles</a:t>
             </a:r>
           </a:p>
           <a:p>
             <a:pPr lvl="1"/>
             <a:r>
-              <a:rPr lang="zh-CN" altLang="en-US" smtClean="0"/>
-              <a:t>第二级</a:t>
+              <a:rPr lang="en-GB"/>
+              <a:t>Second level</a:t>
             </a:r>
           </a:p>
           <a:p>
             <a:pPr lvl="2"/>
             <a:r>
-              <a:rPr lang="zh-CN" altLang="en-US" smtClean="0"/>
-              <a:t>第三级</a:t>
+              <a:rPr lang="en-GB"/>
+              <a:t>Third level</a:t>
             </a:r>
           </a:p>
           <a:p>
             <a:pPr lvl="3"/>
             <a:r>
-              <a:rPr lang="zh-CN" altLang="en-US" smtClean="0"/>
-              <a:t>第四级</a:t>
+              <a:rPr lang="en-GB"/>
+              <a:t>Fourth level</a:t>
             </a:r>
           </a:p>
           <a:p>
             <a:pPr lvl="4"/>
             <a:r>
-              <a:rPr lang="zh-CN" altLang="en-US" smtClean="0"/>
-              <a:t>第五级</a:t>
+              <a:rPr lang="en-GB"/>
+              <a:t>Fifth level</a:t>
             </a:r>
             <a:endParaRPr lang="en-US" dirty="0"/>
           </a:p>
@@ -1609,7 +1609,7 @@
           <a:p>
             <a:fld id="{086FEB8E-2718-4465-8CCF-70A494D0B418}" type="datetimeFigureOut">
               <a:rPr lang="zh-CN" altLang="en-US" smtClean="0"/>
-              <a:t>2017/8/4</a:t>
+              <a:t>2020/11/18</a:t>
             </a:fld>
             <a:endParaRPr lang="zh-CN" altLang="en-US"/>
           </a:p>
@@ -1660,7 +1660,7 @@
     </p:spTree>
     <p:extLst>
       <p:ext uri="{BB962C8B-B14F-4D97-AF65-F5344CB8AC3E}">
-        <p14:creationId xmlns:p14="http://schemas.microsoft.com/office/powerpoint/2010/main" val="2185626950"/>
+        <p14:creationId xmlns:p14="http://schemas.microsoft.com/office/powerpoint/2010/main" val="4060658923"/>
       </p:ext>
     </p:extLst>
   </p:cSld>
@@ -1672,7 +1672,7 @@
 
 <file path=ppt/slideLayouts/slideLayout6.xml><?xml version="1.0" encoding="utf-8"?>
 <p:sldLayout xmlns:a="http://schemas.openxmlformats.org/drawingml/2006/main" xmlns:r="http://schemas.openxmlformats.org/officeDocument/2006/relationships" xmlns:p="http://schemas.openxmlformats.org/presentationml/2006/main" type="titleOnly" preserve="1">
-  <p:cSld name="仅标题">
+  <p:cSld name="Title Only">
     <p:spTree>
       <p:nvGrpSpPr>
         <p:cNvPr id="1" name=""/>
@@ -1703,8 +1703,8 @@
           <a:lstStyle/>
           <a:p>
             <a:r>
-              <a:rPr lang="zh-CN" altLang="en-US" smtClean="0"/>
-              <a:t>单击此处编辑母版标题样式</a:t>
+              <a:rPr lang="en-GB"/>
+              <a:t>Click to edit Master title style</a:t>
             </a:r>
             <a:endParaRPr lang="en-US" dirty="0"/>
           </a:p>
@@ -1727,7 +1727,7 @@
           <a:p>
             <a:fld id="{086FEB8E-2718-4465-8CCF-70A494D0B418}" type="datetimeFigureOut">
               <a:rPr lang="zh-CN" altLang="en-US" smtClean="0"/>
-              <a:t>2017/8/4</a:t>
+              <a:t>2020/11/18</a:t>
             </a:fld>
             <a:endParaRPr lang="zh-CN" altLang="en-US"/>
           </a:p>
@@ -1778,7 +1778,7 @@
     </p:spTree>
     <p:extLst>
       <p:ext uri="{BB962C8B-B14F-4D97-AF65-F5344CB8AC3E}">
-        <p14:creationId xmlns:p14="http://schemas.microsoft.com/office/powerpoint/2010/main" val="2050432025"/>
+        <p14:creationId xmlns:p14="http://schemas.microsoft.com/office/powerpoint/2010/main" val="4035141566"/>
       </p:ext>
     </p:extLst>
   </p:cSld>
@@ -1790,7 +1790,7 @@
 
 <file path=ppt/slideLayouts/slideLayout7.xml><?xml version="1.0" encoding="utf-8"?>
 <p:sldLayout xmlns:a="http://schemas.openxmlformats.org/drawingml/2006/main" xmlns:r="http://schemas.openxmlformats.org/officeDocument/2006/relationships" xmlns:p="http://schemas.openxmlformats.org/presentationml/2006/main" type="blank" preserve="1">
-  <p:cSld name="空白">
+  <p:cSld name="Blank">
     <p:spTree>
       <p:nvGrpSpPr>
         <p:cNvPr id="1" name=""/>
@@ -1822,7 +1822,7 @@
           <a:p>
             <a:fld id="{086FEB8E-2718-4465-8CCF-70A494D0B418}" type="datetimeFigureOut">
               <a:rPr lang="zh-CN" altLang="en-US" smtClean="0"/>
-              <a:t>2017/8/4</a:t>
+              <a:t>2020/11/18</a:t>
             </a:fld>
             <a:endParaRPr lang="zh-CN" altLang="en-US"/>
           </a:p>
@@ -1873,7 +1873,7 @@
     </p:spTree>
     <p:extLst>
       <p:ext uri="{BB962C8B-B14F-4D97-AF65-F5344CB8AC3E}">
-        <p14:creationId xmlns:p14="http://schemas.microsoft.com/office/powerpoint/2010/main" val="1699173409"/>
+        <p14:creationId xmlns:p14="http://schemas.microsoft.com/office/powerpoint/2010/main" val="1539338865"/>
       </p:ext>
     </p:extLst>
   </p:cSld>
@@ -1885,7 +1885,7 @@
 
 <file path=ppt/slideLayouts/slideLayout8.xml><?xml version="1.0" encoding="utf-8"?>
 <p:sldLayout xmlns:a="http://schemas.openxmlformats.org/drawingml/2006/main" xmlns:r="http://schemas.openxmlformats.org/officeDocument/2006/relationships" xmlns:p="http://schemas.openxmlformats.org/presentationml/2006/main" type="objTx" preserve="1">
-  <p:cSld name="内容与标题">
+  <p:cSld name="Content with Caption">
     <p:spTree>
       <p:nvGrpSpPr>
         <p:cNvPr id="1" name=""/>
@@ -1912,21 +1912,21 @@
         </p:nvSpPr>
         <p:spPr>
           <a:xfrm>
-            <a:off x="991891" y="479954"/>
-            <a:ext cx="4644443" cy="1679840"/>
+            <a:off x="843069" y="479954"/>
+            <a:ext cx="3947597" cy="1679840"/>
           </a:xfrm>
         </p:spPr>
         <p:txBody>
           <a:bodyPr anchor="b"/>
           <a:lstStyle>
             <a:lvl1pPr>
-              <a:defRPr sz="3359"/>
+              <a:defRPr sz="3212"/>
             </a:lvl1pPr>
           </a:lstStyle>
           <a:p>
             <a:r>
-              <a:rPr lang="zh-CN" altLang="en-US" smtClean="0"/>
-              <a:t>单击此处编辑母版标题样式</a:t>
+              <a:rPr lang="en-GB"/>
+              <a:t>Click to edit Master title style</a:t>
             </a:r>
             <a:endParaRPr lang="en-US" dirty="0"/>
           </a:p>
@@ -1944,74 +1944,74 @@
         </p:nvSpPr>
         <p:spPr>
           <a:xfrm>
-            <a:off x="6121966" y="1036569"/>
-            <a:ext cx="7290108" cy="5116178"/>
+            <a:off x="5203435" y="1036569"/>
+            <a:ext cx="6196310" cy="5116178"/>
           </a:xfrm>
         </p:spPr>
         <p:txBody>
           <a:bodyPr/>
           <a:lstStyle>
             <a:lvl1pPr>
-              <a:defRPr sz="3359"/>
+              <a:defRPr sz="3212"/>
             </a:lvl1pPr>
             <a:lvl2pPr>
-              <a:defRPr sz="2939"/>
+              <a:defRPr sz="2811"/>
             </a:lvl2pPr>
             <a:lvl3pPr>
-              <a:defRPr sz="2520"/>
+              <a:defRPr sz="2409"/>
             </a:lvl3pPr>
             <a:lvl4pPr>
-              <a:defRPr sz="2100"/>
+              <a:defRPr sz="2008"/>
             </a:lvl4pPr>
             <a:lvl5pPr>
-              <a:defRPr sz="2100"/>
+              <a:defRPr sz="2008"/>
             </a:lvl5pPr>
             <a:lvl6pPr>
-              <a:defRPr sz="2100"/>
+              <a:defRPr sz="2008"/>
             </a:lvl6pPr>
             <a:lvl7pPr>
-              <a:defRPr sz="2100"/>
+              <a:defRPr sz="2008"/>
             </a:lvl7pPr>
             <a:lvl8pPr>
-              <a:defRPr sz="2100"/>
+              <a:defRPr sz="2008"/>
             </a:lvl8pPr>
             <a:lvl9pPr>
-              <a:defRPr sz="2100"/>
+              <a:defRPr sz="2008"/>
             </a:lvl9pPr>
           </a:lstStyle>
           <a:p>
             <a:pPr lvl="0"/>
             <a:r>
-              <a:rPr lang="zh-CN" altLang="en-US" smtClean="0"/>
-              <a:t>单击此处编辑母版文本样式</a:t>
+              <a:rPr lang="en-GB"/>
+              <a:t>Click to edit Master text styles</a:t>
             </a:r>
           </a:p>
           <a:p>
             <a:pPr lvl="1"/>
             <a:r>
-              <a:rPr lang="zh-CN" altLang="en-US" smtClean="0"/>
-              <a:t>第二级</a:t>
+              <a:rPr lang="en-GB"/>
+              <a:t>Second level</a:t>
             </a:r>
           </a:p>
           <a:p>
             <a:pPr lvl="2"/>
             <a:r>
-              <a:rPr lang="zh-CN" altLang="en-US" smtClean="0"/>
-              <a:t>第三级</a:t>
+              <a:rPr lang="en-GB"/>
+              <a:t>Third level</a:t>
             </a:r>
           </a:p>
           <a:p>
             <a:pPr lvl="3"/>
             <a:r>
-              <a:rPr lang="zh-CN" altLang="en-US" smtClean="0"/>
-              <a:t>第四级</a:t>
+              <a:rPr lang="en-GB"/>
+              <a:t>Fourth level</a:t>
             </a:r>
           </a:p>
           <a:p>
             <a:pPr lvl="4"/>
             <a:r>
-              <a:rPr lang="zh-CN" altLang="en-US" smtClean="0"/>
-              <a:t>第五级</a:t>
+              <a:rPr lang="en-GB"/>
+              <a:t>Fifth level</a:t>
             </a:r>
             <a:endParaRPr lang="en-US" dirty="0"/>
           </a:p>
@@ -2029,8 +2029,8 @@
         </p:nvSpPr>
         <p:spPr>
           <a:xfrm>
-            <a:off x="991891" y="2159794"/>
-            <a:ext cx="4644443" cy="4001285"/>
+            <a:off x="843069" y="2159794"/>
+            <a:ext cx="3947597" cy="4001285"/>
           </a:xfrm>
         </p:spPr>
         <p:txBody>
@@ -2038,46 +2038,46 @@
           <a:lstStyle>
             <a:lvl1pPr marL="0" indent="0">
               <a:buNone/>
-              <a:defRPr sz="1680"/>
+              <a:defRPr sz="1606"/>
             </a:lvl1pPr>
-            <a:lvl2pPr marL="479969" indent="0">
-              <a:buNone/>
-              <a:defRPr sz="1470"/>
+            <a:lvl2pPr marL="458983" indent="0">
+              <a:buNone/>
+              <a:defRPr sz="1405"/>
             </a:lvl2pPr>
-            <a:lvl3pPr marL="959937" indent="0">
-              <a:buNone/>
-              <a:defRPr sz="1260"/>
+            <a:lvl3pPr marL="917966" indent="0">
+              <a:buNone/>
+              <a:defRPr sz="1205"/>
             </a:lvl3pPr>
-            <a:lvl4pPr marL="1439906" indent="0">
-              <a:buNone/>
-              <a:defRPr sz="1050"/>
+            <a:lvl4pPr marL="1376949" indent="0">
+              <a:buNone/>
+              <a:defRPr sz="1004"/>
             </a:lvl4pPr>
-            <a:lvl5pPr marL="1919874" indent="0">
-              <a:buNone/>
-              <a:defRPr sz="1050"/>
+            <a:lvl5pPr marL="1835932" indent="0">
+              <a:buNone/>
+              <a:defRPr sz="1004"/>
             </a:lvl5pPr>
-            <a:lvl6pPr marL="2399843" indent="0">
-              <a:buNone/>
-              <a:defRPr sz="1050"/>
+            <a:lvl6pPr marL="2294915" indent="0">
+              <a:buNone/>
+              <a:defRPr sz="1004"/>
             </a:lvl6pPr>
-            <a:lvl7pPr marL="2879811" indent="0">
-              <a:buNone/>
-              <a:defRPr sz="1050"/>
+            <a:lvl7pPr marL="2753898" indent="0">
+              <a:buNone/>
+              <a:defRPr sz="1004"/>
             </a:lvl7pPr>
-            <a:lvl8pPr marL="3359780" indent="0">
-              <a:buNone/>
-              <a:defRPr sz="1050"/>
+            <a:lvl8pPr marL="3212882" indent="0">
+              <a:buNone/>
+              <a:defRPr sz="1004"/>
             </a:lvl8pPr>
-            <a:lvl9pPr marL="3839748" indent="0">
-              <a:buNone/>
-              <a:defRPr sz="1050"/>
+            <a:lvl9pPr marL="3671865" indent="0">
+              <a:buNone/>
+              <a:defRPr sz="1004"/>
             </a:lvl9pPr>
           </a:lstStyle>
           <a:p>
             <a:pPr lvl="0"/>
             <a:r>
-              <a:rPr lang="zh-CN" altLang="en-US" smtClean="0"/>
-              <a:t>单击此处编辑母版文本样式</a:t>
+              <a:rPr lang="en-GB"/>
+              <a:t>Click to edit Master text styles</a:t>
             </a:r>
           </a:p>
         </p:txBody>
@@ -2099,7 +2099,7 @@
           <a:p>
             <a:fld id="{086FEB8E-2718-4465-8CCF-70A494D0B418}" type="datetimeFigureOut">
               <a:rPr lang="zh-CN" altLang="en-US" smtClean="0"/>
-              <a:t>2017/8/4</a:t>
+              <a:t>2020/11/18</a:t>
             </a:fld>
             <a:endParaRPr lang="zh-CN" altLang="en-US"/>
           </a:p>
@@ -2150,7 +2150,7 @@
     </p:spTree>
     <p:extLst>
       <p:ext uri="{BB962C8B-B14F-4D97-AF65-F5344CB8AC3E}">
-        <p14:creationId xmlns:p14="http://schemas.microsoft.com/office/powerpoint/2010/main" val="2859926358"/>
+        <p14:creationId xmlns:p14="http://schemas.microsoft.com/office/powerpoint/2010/main" val="3537128374"/>
       </p:ext>
     </p:extLst>
   </p:cSld>
@@ -2162,7 +2162,7 @@
 
 <file path=ppt/slideLayouts/slideLayout9.xml><?xml version="1.0" encoding="utf-8"?>
 <p:sldLayout xmlns:a="http://schemas.openxmlformats.org/drawingml/2006/main" xmlns:r="http://schemas.openxmlformats.org/officeDocument/2006/relationships" xmlns:p="http://schemas.openxmlformats.org/presentationml/2006/main" type="picTx" preserve="1">
-  <p:cSld name="图片与标题">
+  <p:cSld name="Picture with Caption">
     <p:spTree>
       <p:nvGrpSpPr>
         <p:cNvPr id="1" name=""/>
@@ -2189,21 +2189,21 @@
         </p:nvSpPr>
         <p:spPr>
           <a:xfrm>
-            <a:off x="991891" y="479954"/>
-            <a:ext cx="4644443" cy="1679840"/>
+            <a:off x="843069" y="479954"/>
+            <a:ext cx="3947597" cy="1679840"/>
           </a:xfrm>
         </p:spPr>
         <p:txBody>
           <a:bodyPr anchor="b"/>
           <a:lstStyle>
             <a:lvl1pPr>
-              <a:defRPr sz="3359"/>
+              <a:defRPr sz="3212"/>
             </a:lvl1pPr>
           </a:lstStyle>
           <a:p>
             <a:r>
-              <a:rPr lang="zh-CN" altLang="en-US" smtClean="0"/>
-              <a:t>单击此处编辑母版标题样式</a:t>
+              <a:rPr lang="en-GB"/>
+              <a:t>Click to edit Master title style</a:t>
             </a:r>
             <a:endParaRPr lang="en-US" dirty="0"/>
           </a:p>
@@ -2221,8 +2221,8 @@
         </p:nvSpPr>
         <p:spPr>
           <a:xfrm>
-            <a:off x="6121966" y="1036569"/>
-            <a:ext cx="7290108" cy="5116178"/>
+            <a:off x="5203435" y="1036569"/>
+            <a:ext cx="6196310" cy="5116178"/>
           </a:xfrm>
         </p:spPr>
         <p:txBody>
@@ -2230,45 +2230,45 @@
           <a:lstStyle>
             <a:lvl1pPr marL="0" indent="0">
               <a:buNone/>
-              <a:defRPr sz="3359"/>
+              <a:defRPr sz="3212"/>
             </a:lvl1pPr>
-            <a:lvl2pPr marL="479969" indent="0">
-              <a:buNone/>
-              <a:defRPr sz="2939"/>
+            <a:lvl2pPr marL="458983" indent="0">
+              <a:buNone/>
+              <a:defRPr sz="2811"/>
             </a:lvl2pPr>
-            <a:lvl3pPr marL="959937" indent="0">
-              <a:buNone/>
-              <a:defRPr sz="2520"/>
+            <a:lvl3pPr marL="917966" indent="0">
+              <a:buNone/>
+              <a:defRPr sz="2409"/>
             </a:lvl3pPr>
-            <a:lvl4pPr marL="1439906" indent="0">
-              <a:buNone/>
-              <a:defRPr sz="2100"/>
+            <a:lvl4pPr marL="1376949" indent="0">
+              <a:buNone/>
+              <a:defRPr sz="2008"/>
             </a:lvl4pPr>
-            <a:lvl5pPr marL="1919874" indent="0">
-              <a:buNone/>
-              <a:defRPr sz="2100"/>
+            <a:lvl5pPr marL="1835932" indent="0">
+              <a:buNone/>
+              <a:defRPr sz="2008"/>
             </a:lvl5pPr>
-            <a:lvl6pPr marL="2399843" indent="0">
-              <a:buNone/>
-              <a:defRPr sz="2100"/>
+            <a:lvl6pPr marL="2294915" indent="0">
+              <a:buNone/>
+              <a:defRPr sz="2008"/>
             </a:lvl6pPr>
-            <a:lvl7pPr marL="2879811" indent="0">
-              <a:buNone/>
-              <a:defRPr sz="2100"/>
+            <a:lvl7pPr marL="2753898" indent="0">
+              <a:buNone/>
+              <a:defRPr sz="2008"/>
             </a:lvl7pPr>
-            <a:lvl8pPr marL="3359780" indent="0">
-              <a:buNone/>
-              <a:defRPr sz="2100"/>
+            <a:lvl8pPr marL="3212882" indent="0">
+              <a:buNone/>
+              <a:defRPr sz="2008"/>
             </a:lvl8pPr>
-            <a:lvl9pPr marL="3839748" indent="0">
-              <a:buNone/>
-              <a:defRPr sz="2100"/>
+            <a:lvl9pPr marL="3671865" indent="0">
+              <a:buNone/>
+              <a:defRPr sz="2008"/>
             </a:lvl9pPr>
           </a:lstStyle>
           <a:p>
             <a:r>
-              <a:rPr lang="zh-CN" altLang="en-US" smtClean="0"/>
-              <a:t>单击图标添加图片</a:t>
+              <a:rPr lang="en-GB"/>
+              <a:t>Click icon to add picture</a:t>
             </a:r>
             <a:endParaRPr lang="en-US" dirty="0"/>
           </a:p>
@@ -2286,8 +2286,8 @@
         </p:nvSpPr>
         <p:spPr>
           <a:xfrm>
-            <a:off x="991891" y="2159794"/>
-            <a:ext cx="4644443" cy="4001285"/>
+            <a:off x="843069" y="2159794"/>
+            <a:ext cx="3947597" cy="4001285"/>
           </a:xfrm>
         </p:spPr>
         <p:txBody>
@@ -2295,46 +2295,46 @@
           <a:lstStyle>
             <a:lvl1pPr marL="0" indent="0">
               <a:buNone/>
-              <a:defRPr sz="1680"/>
+              <a:defRPr sz="1606"/>
             </a:lvl1pPr>
-            <a:lvl2pPr marL="479969" indent="0">
-              <a:buNone/>
-              <a:defRPr sz="1470"/>
+            <a:lvl2pPr marL="458983" indent="0">
+              <a:buNone/>
+              <a:defRPr sz="1405"/>
             </a:lvl2pPr>
-            <a:lvl3pPr marL="959937" indent="0">
-              <a:buNone/>
-              <a:defRPr sz="1260"/>
+            <a:lvl3pPr marL="917966" indent="0">
+              <a:buNone/>
+              <a:defRPr sz="1205"/>
             </a:lvl3pPr>
-            <a:lvl4pPr marL="1439906" indent="0">
-              <a:buNone/>
-              <a:defRPr sz="1050"/>
+            <a:lvl4pPr marL="1376949" indent="0">
+              <a:buNone/>
+              <a:defRPr sz="1004"/>
             </a:lvl4pPr>
-            <a:lvl5pPr marL="1919874" indent="0">
-              <a:buNone/>
-              <a:defRPr sz="1050"/>
+            <a:lvl5pPr marL="1835932" indent="0">
+              <a:buNone/>
+              <a:defRPr sz="1004"/>
             </a:lvl5pPr>
-            <a:lvl6pPr marL="2399843" indent="0">
-              <a:buNone/>
-              <a:defRPr sz="1050"/>
+            <a:lvl6pPr marL="2294915" indent="0">
+              <a:buNone/>
+              <a:defRPr sz="1004"/>
             </a:lvl6pPr>
-            <a:lvl7pPr marL="2879811" indent="0">
-              <a:buNone/>
-              <a:defRPr sz="1050"/>
+            <a:lvl7pPr marL="2753898" indent="0">
+              <a:buNone/>
+              <a:defRPr sz="1004"/>
             </a:lvl7pPr>
-            <a:lvl8pPr marL="3359780" indent="0">
-              <a:buNone/>
-              <a:defRPr sz="1050"/>
+            <a:lvl8pPr marL="3212882" indent="0">
+              <a:buNone/>
+              <a:defRPr sz="1004"/>
             </a:lvl8pPr>
-            <a:lvl9pPr marL="3839748" indent="0">
-              <a:buNone/>
-              <a:defRPr sz="1050"/>
+            <a:lvl9pPr marL="3671865" indent="0">
+              <a:buNone/>
+              <a:defRPr sz="1004"/>
             </a:lvl9pPr>
           </a:lstStyle>
           <a:p>
             <a:pPr lvl="0"/>
             <a:r>
-              <a:rPr lang="zh-CN" altLang="en-US" smtClean="0"/>
-              <a:t>单击此处编辑母版文本样式</a:t>
+              <a:rPr lang="en-GB"/>
+              <a:t>Click to edit Master text styles</a:t>
             </a:r>
           </a:p>
         </p:txBody>
@@ -2356,7 +2356,7 @@
           <a:p>
             <a:fld id="{086FEB8E-2718-4465-8CCF-70A494D0B418}" type="datetimeFigureOut">
               <a:rPr lang="zh-CN" altLang="en-US" smtClean="0"/>
-              <a:t>2017/8/4</a:t>
+              <a:t>2020/11/18</a:t>
             </a:fld>
             <a:endParaRPr lang="zh-CN" altLang="en-US"/>
           </a:p>
@@ -2407,7 +2407,7 @@
     </p:spTree>
     <p:extLst>
       <p:ext uri="{BB962C8B-B14F-4D97-AF65-F5344CB8AC3E}">
-        <p14:creationId xmlns:p14="http://schemas.microsoft.com/office/powerpoint/2010/main" val="3845305122"/>
+        <p14:creationId xmlns:p14="http://schemas.microsoft.com/office/powerpoint/2010/main" val="3770117386"/>
       </p:ext>
     </p:extLst>
   </p:cSld>
@@ -2451,8 +2451,8 @@
         </p:nvSpPr>
         <p:spPr>
           <a:xfrm>
-            <a:off x="990015" y="383297"/>
-            <a:ext cx="12420184" cy="1391534"/>
+            <a:off x="841474" y="383297"/>
+            <a:ext cx="10556677" cy="1391534"/>
           </a:xfrm>
           <a:prstGeom prst="rect">
             <a:avLst/>
@@ -2465,8 +2465,8 @@
           <a:lstStyle/>
           <a:p>
             <a:r>
-              <a:rPr lang="zh-CN" altLang="en-US" smtClean="0"/>
-              <a:t>单击此处编辑母版标题样式</a:t>
+              <a:rPr lang="en-GB"/>
+              <a:t>Click to edit Master title style</a:t>
             </a:r>
             <a:endParaRPr lang="en-US" dirty="0"/>
           </a:p>
@@ -2484,8 +2484,8 @@
         </p:nvSpPr>
         <p:spPr>
           <a:xfrm>
-            <a:off x="990015" y="1916484"/>
-            <a:ext cx="12420184" cy="4567898"/>
+            <a:off x="841474" y="1916484"/>
+            <a:ext cx="10556677" cy="4567898"/>
           </a:xfrm>
           <a:prstGeom prst="rect">
             <a:avLst/>
@@ -2499,36 +2499,36 @@
           <a:p>
             <a:pPr lvl="0"/>
             <a:r>
-              <a:rPr lang="zh-CN" altLang="en-US" smtClean="0"/>
-              <a:t>单击此处编辑母版文本样式</a:t>
+              <a:rPr lang="en-GB"/>
+              <a:t>Click to edit Master text styles</a:t>
             </a:r>
           </a:p>
           <a:p>
             <a:pPr lvl="1"/>
             <a:r>
-              <a:rPr lang="zh-CN" altLang="en-US" smtClean="0"/>
-              <a:t>第二级</a:t>
+              <a:rPr lang="en-GB"/>
+              <a:t>Second level</a:t>
             </a:r>
           </a:p>
           <a:p>
             <a:pPr lvl="2"/>
             <a:r>
-              <a:rPr lang="zh-CN" altLang="en-US" smtClean="0"/>
-              <a:t>第三级</a:t>
+              <a:rPr lang="en-GB"/>
+              <a:t>Third level</a:t>
             </a:r>
           </a:p>
           <a:p>
             <a:pPr lvl="3"/>
             <a:r>
-              <a:rPr lang="zh-CN" altLang="en-US" smtClean="0"/>
-              <a:t>第四级</a:t>
+              <a:rPr lang="en-GB"/>
+              <a:t>Fourth level</a:t>
             </a:r>
           </a:p>
           <a:p>
             <a:pPr lvl="4"/>
             <a:r>
-              <a:rPr lang="zh-CN" altLang="en-US" smtClean="0"/>
-              <a:t>第五级</a:t>
+              <a:rPr lang="en-GB"/>
+              <a:t>Fifth level</a:t>
             </a:r>
             <a:endParaRPr lang="en-US" dirty="0"/>
           </a:p>
@@ -2546,8 +2546,8 @@
         </p:nvSpPr>
         <p:spPr>
           <a:xfrm>
-            <a:off x="990015" y="6672697"/>
-            <a:ext cx="3240048" cy="383297"/>
+            <a:off x="841474" y="6672697"/>
+            <a:ext cx="2753916" cy="383297"/>
           </a:xfrm>
           <a:prstGeom prst="rect">
             <a:avLst/>
@@ -2557,7 +2557,7 @@
           <a:bodyPr vert="horz" lIns="91440" tIns="45720" rIns="91440" bIns="45720" rtlCol="0" anchor="ctr"/>
           <a:lstStyle>
             <a:lvl1pPr algn="l">
-              <a:defRPr sz="1260">
+              <a:defRPr sz="1205">
                 <a:solidFill>
                   <a:schemeClr val="tx1">
                     <a:tint val="75000"/>
@@ -2569,7 +2569,7 @@
           <a:p>
             <a:fld id="{086FEB8E-2718-4465-8CCF-70A494D0B418}" type="datetimeFigureOut">
               <a:rPr lang="zh-CN" altLang="en-US" smtClean="0"/>
-              <a:t>2017/8/4</a:t>
+              <a:t>2020/11/18</a:t>
             </a:fld>
             <a:endParaRPr lang="zh-CN" altLang="en-US"/>
           </a:p>
@@ -2587,8 +2587,8 @@
         </p:nvSpPr>
         <p:spPr>
           <a:xfrm>
-            <a:off x="4770071" y="6672697"/>
-            <a:ext cx="4860072" cy="383297"/>
+            <a:off x="4054376" y="6672697"/>
+            <a:ext cx="4130873" cy="383297"/>
           </a:xfrm>
           <a:prstGeom prst="rect">
             <a:avLst/>
@@ -2598,7 +2598,7 @@
           <a:bodyPr vert="horz" lIns="91440" tIns="45720" rIns="91440" bIns="45720" rtlCol="0" anchor="ctr"/>
           <a:lstStyle>
             <a:lvl1pPr algn="ctr">
-              <a:defRPr sz="1260">
+              <a:defRPr sz="1205">
                 <a:solidFill>
                   <a:schemeClr val="tx1">
                     <a:tint val="75000"/>
@@ -2624,8 +2624,8 @@
         </p:nvSpPr>
         <p:spPr>
           <a:xfrm>
-            <a:off x="10170150" y="6672697"/>
-            <a:ext cx="3240048" cy="383297"/>
+            <a:off x="8644235" y="6672697"/>
+            <a:ext cx="2753916" cy="383297"/>
           </a:xfrm>
           <a:prstGeom prst="rect">
             <a:avLst/>
@@ -2635,7 +2635,7 @@
           <a:bodyPr vert="horz" lIns="91440" tIns="45720" rIns="91440" bIns="45720" rtlCol="0" anchor="ctr"/>
           <a:lstStyle>
             <a:lvl1pPr algn="r">
-              <a:defRPr sz="1260">
+              <a:defRPr sz="1205">
                 <a:solidFill>
                   <a:schemeClr val="tx1">
                     <a:tint val="75000"/>
@@ -2656,27 +2656,27 @@
     </p:spTree>
     <p:extLst>
       <p:ext uri="{BB962C8B-B14F-4D97-AF65-F5344CB8AC3E}">
-        <p14:creationId xmlns:p14="http://schemas.microsoft.com/office/powerpoint/2010/main" val="4285887379"/>
+        <p14:creationId xmlns:p14="http://schemas.microsoft.com/office/powerpoint/2010/main" val="381473893"/>
       </p:ext>
     </p:extLst>
   </p:cSld>
   <p:clrMap bg1="lt1" tx1="dk1" bg2="lt2" tx2="dk2" accent1="accent1" accent2="accent2" accent3="accent3" accent4="accent4" accent5="accent5" accent6="accent6" hlink="hlink" folHlink="folHlink"/>
   <p:sldLayoutIdLst>
-    <p:sldLayoutId id="2147483673" r:id="rId1"/>
-    <p:sldLayoutId id="2147483674" r:id="rId2"/>
-    <p:sldLayoutId id="2147483675" r:id="rId3"/>
-    <p:sldLayoutId id="2147483676" r:id="rId4"/>
-    <p:sldLayoutId id="2147483677" r:id="rId5"/>
-    <p:sldLayoutId id="2147483678" r:id="rId6"/>
-    <p:sldLayoutId id="2147483679" r:id="rId7"/>
-    <p:sldLayoutId id="2147483680" r:id="rId8"/>
-    <p:sldLayoutId id="2147483681" r:id="rId9"/>
-    <p:sldLayoutId id="2147483682" r:id="rId10"/>
-    <p:sldLayoutId id="2147483683" r:id="rId11"/>
+    <p:sldLayoutId id="2147483685" r:id="rId1"/>
+    <p:sldLayoutId id="2147483686" r:id="rId2"/>
+    <p:sldLayoutId id="2147483687" r:id="rId3"/>
+    <p:sldLayoutId id="2147483688" r:id="rId4"/>
+    <p:sldLayoutId id="2147483689" r:id="rId5"/>
+    <p:sldLayoutId id="2147483690" r:id="rId6"/>
+    <p:sldLayoutId id="2147483691" r:id="rId7"/>
+    <p:sldLayoutId id="2147483692" r:id="rId8"/>
+    <p:sldLayoutId id="2147483693" r:id="rId9"/>
+    <p:sldLayoutId id="2147483694" r:id="rId10"/>
+    <p:sldLayoutId id="2147483695" r:id="rId11"/>
   </p:sldLayoutIdLst>
   <p:txStyles>
     <p:titleStyle>
-      <a:lvl1pPr algn="l" defTabSz="959937" rtl="0" eaLnBrk="1" latinLnBrk="0" hangingPunct="1">
+      <a:lvl1pPr algn="l" defTabSz="917966" rtl="0" eaLnBrk="1" latinLnBrk="0" hangingPunct="1">
         <a:lnSpc>
           <a:spcPct val="90000"/>
         </a:lnSpc>
@@ -2684,7 +2684,7 @@
           <a:spcPct val="0"/>
         </a:spcBef>
         <a:buNone/>
-        <a:defRPr sz="4619" kern="1200">
+        <a:defRPr sz="4417" kern="1200">
           <a:solidFill>
             <a:schemeClr val="tx1"/>
           </a:solidFill>
@@ -2695,16 +2695,16 @@
       </a:lvl1pPr>
     </p:titleStyle>
     <p:bodyStyle>
-      <a:lvl1pPr marL="239984" indent="-239984" algn="l" defTabSz="959937" rtl="0" eaLnBrk="1" latinLnBrk="0" hangingPunct="1">
+      <a:lvl1pPr marL="229492" indent="-229492" algn="l" defTabSz="917966" rtl="0" eaLnBrk="1" latinLnBrk="0" hangingPunct="1">
         <a:lnSpc>
           <a:spcPct val="90000"/>
         </a:lnSpc>
         <a:spcBef>
-          <a:spcPts val="1050"/>
+          <a:spcPts val="1004"/>
         </a:spcBef>
         <a:buFont typeface="Arial" panose="020B0604020202020204" pitchFamily="34" charset="0"/>
         <a:buChar char="•"/>
-        <a:defRPr sz="2939" kern="1200">
+        <a:defRPr sz="2811" kern="1200">
           <a:solidFill>
             <a:schemeClr val="tx1"/>
           </a:solidFill>
@@ -2713,16 +2713,16 @@
           <a:cs typeface="+mn-cs"/>
         </a:defRPr>
       </a:lvl1pPr>
-      <a:lvl2pPr marL="719953" indent="-239984" algn="l" defTabSz="959937" rtl="0" eaLnBrk="1" latinLnBrk="0" hangingPunct="1">
+      <a:lvl2pPr marL="688475" indent="-229492" algn="l" defTabSz="917966" rtl="0" eaLnBrk="1" latinLnBrk="0" hangingPunct="1">
         <a:lnSpc>
           <a:spcPct val="90000"/>
         </a:lnSpc>
         <a:spcBef>
-          <a:spcPts val="525"/>
+          <a:spcPts val="502"/>
         </a:spcBef>
         <a:buFont typeface="Arial" panose="020B0604020202020204" pitchFamily="34" charset="0"/>
         <a:buChar char="•"/>
-        <a:defRPr sz="2520" kern="1200">
+        <a:defRPr sz="2409" kern="1200">
           <a:solidFill>
             <a:schemeClr val="tx1"/>
           </a:solidFill>
@@ -2731,16 +2731,16 @@
           <a:cs typeface="+mn-cs"/>
         </a:defRPr>
       </a:lvl2pPr>
-      <a:lvl3pPr marL="1199921" indent="-239984" algn="l" defTabSz="959937" rtl="0" eaLnBrk="1" latinLnBrk="0" hangingPunct="1">
+      <a:lvl3pPr marL="1147458" indent="-229492" algn="l" defTabSz="917966" rtl="0" eaLnBrk="1" latinLnBrk="0" hangingPunct="1">
         <a:lnSpc>
           <a:spcPct val="90000"/>
         </a:lnSpc>
         <a:spcBef>
-          <a:spcPts val="525"/>
+          <a:spcPts val="502"/>
         </a:spcBef>
         <a:buFont typeface="Arial" panose="020B0604020202020204" pitchFamily="34" charset="0"/>
         <a:buChar char="•"/>
-        <a:defRPr sz="2100" kern="1200">
+        <a:defRPr sz="2008" kern="1200">
           <a:solidFill>
             <a:schemeClr val="tx1"/>
           </a:solidFill>
@@ -2749,16 +2749,16 @@
           <a:cs typeface="+mn-cs"/>
         </a:defRPr>
       </a:lvl3pPr>
-      <a:lvl4pPr marL="1679890" indent="-239984" algn="l" defTabSz="959937" rtl="0" eaLnBrk="1" latinLnBrk="0" hangingPunct="1">
+      <a:lvl4pPr marL="1606441" indent="-229492" algn="l" defTabSz="917966" rtl="0" eaLnBrk="1" latinLnBrk="0" hangingPunct="1">
         <a:lnSpc>
           <a:spcPct val="90000"/>
         </a:lnSpc>
         <a:spcBef>
-          <a:spcPts val="525"/>
+          <a:spcPts val="502"/>
         </a:spcBef>
         <a:buFont typeface="Arial" panose="020B0604020202020204" pitchFamily="34" charset="0"/>
         <a:buChar char="•"/>
-        <a:defRPr sz="1890" kern="1200">
+        <a:defRPr sz="1807" kern="1200">
           <a:solidFill>
             <a:schemeClr val="tx1"/>
           </a:solidFill>
@@ -2767,16 +2767,16 @@
           <a:cs typeface="+mn-cs"/>
         </a:defRPr>
       </a:lvl4pPr>
-      <a:lvl5pPr marL="2159859" indent="-239984" algn="l" defTabSz="959937" rtl="0" eaLnBrk="1" latinLnBrk="0" hangingPunct="1">
+      <a:lvl5pPr marL="2065424" indent="-229492" algn="l" defTabSz="917966" rtl="0" eaLnBrk="1" latinLnBrk="0" hangingPunct="1">
         <a:lnSpc>
           <a:spcPct val="90000"/>
         </a:lnSpc>
         <a:spcBef>
-          <a:spcPts val="525"/>
+          <a:spcPts val="502"/>
         </a:spcBef>
         <a:buFont typeface="Arial" panose="020B0604020202020204" pitchFamily="34" charset="0"/>
         <a:buChar char="•"/>
-        <a:defRPr sz="1890" kern="1200">
+        <a:defRPr sz="1807" kern="1200">
           <a:solidFill>
             <a:schemeClr val="tx1"/>
           </a:solidFill>
@@ -2785,16 +2785,16 @@
           <a:cs typeface="+mn-cs"/>
         </a:defRPr>
       </a:lvl5pPr>
-      <a:lvl6pPr marL="2639827" indent="-239984" algn="l" defTabSz="959937" rtl="0" eaLnBrk="1" latinLnBrk="0" hangingPunct="1">
+      <a:lvl6pPr marL="2524407" indent="-229492" algn="l" defTabSz="917966" rtl="0" eaLnBrk="1" latinLnBrk="0" hangingPunct="1">
         <a:lnSpc>
           <a:spcPct val="90000"/>
         </a:lnSpc>
         <a:spcBef>
-          <a:spcPts val="525"/>
+          <a:spcPts val="502"/>
         </a:spcBef>
         <a:buFont typeface="Arial" panose="020B0604020202020204" pitchFamily="34" charset="0"/>
         <a:buChar char="•"/>
-        <a:defRPr sz="1890" kern="1200">
+        <a:defRPr sz="1807" kern="1200">
           <a:solidFill>
             <a:schemeClr val="tx1"/>
           </a:solidFill>
@@ -2803,16 +2803,16 @@
           <a:cs typeface="+mn-cs"/>
         </a:defRPr>
       </a:lvl6pPr>
-      <a:lvl7pPr marL="3119796" indent="-239984" algn="l" defTabSz="959937" rtl="0" eaLnBrk="1" latinLnBrk="0" hangingPunct="1">
+      <a:lvl7pPr marL="2983390" indent="-229492" algn="l" defTabSz="917966" rtl="0" eaLnBrk="1" latinLnBrk="0" hangingPunct="1">
         <a:lnSpc>
           <a:spcPct val="90000"/>
         </a:lnSpc>
         <a:spcBef>
-          <a:spcPts val="525"/>
+          <a:spcPts val="502"/>
         </a:spcBef>
         <a:buFont typeface="Arial" panose="020B0604020202020204" pitchFamily="34" charset="0"/>
         <a:buChar char="•"/>
-        <a:defRPr sz="1890" kern="1200">
+        <a:defRPr sz="1807" kern="1200">
           <a:solidFill>
             <a:schemeClr val="tx1"/>
           </a:solidFill>
@@ -2821,16 +2821,16 @@
           <a:cs typeface="+mn-cs"/>
         </a:defRPr>
       </a:lvl7pPr>
-      <a:lvl8pPr marL="3599764" indent="-239984" algn="l" defTabSz="959937" rtl="0" eaLnBrk="1" latinLnBrk="0" hangingPunct="1">
+      <a:lvl8pPr marL="3442373" indent="-229492" algn="l" defTabSz="917966" rtl="0" eaLnBrk="1" latinLnBrk="0" hangingPunct="1">
         <a:lnSpc>
           <a:spcPct val="90000"/>
         </a:lnSpc>
         <a:spcBef>
-          <a:spcPts val="525"/>
+          <a:spcPts val="502"/>
         </a:spcBef>
         <a:buFont typeface="Arial" panose="020B0604020202020204" pitchFamily="34" charset="0"/>
         <a:buChar char="•"/>
-        <a:defRPr sz="1890" kern="1200">
+        <a:defRPr sz="1807" kern="1200">
           <a:solidFill>
             <a:schemeClr val="tx1"/>
           </a:solidFill>
@@ -2839,16 +2839,16 @@
           <a:cs typeface="+mn-cs"/>
         </a:defRPr>
       </a:lvl8pPr>
-      <a:lvl9pPr marL="4079733" indent="-239984" algn="l" defTabSz="959937" rtl="0" eaLnBrk="1" latinLnBrk="0" hangingPunct="1">
+      <a:lvl9pPr marL="3901356" indent="-229492" algn="l" defTabSz="917966" rtl="0" eaLnBrk="1" latinLnBrk="0" hangingPunct="1">
         <a:lnSpc>
           <a:spcPct val="90000"/>
         </a:lnSpc>
         <a:spcBef>
-          <a:spcPts val="525"/>
+          <a:spcPts val="502"/>
         </a:spcBef>
         <a:buFont typeface="Arial" panose="020B0604020202020204" pitchFamily="34" charset="0"/>
         <a:buChar char="•"/>
-        <a:defRPr sz="1890" kern="1200">
+        <a:defRPr sz="1807" kern="1200">
           <a:solidFill>
             <a:schemeClr val="tx1"/>
           </a:solidFill>
@@ -2862,8 +2862,8 @@
       <a:defPPr>
         <a:defRPr lang="en-US"/>
       </a:defPPr>
-      <a:lvl1pPr marL="0" algn="l" defTabSz="959937" rtl="0" eaLnBrk="1" latinLnBrk="0" hangingPunct="1">
-        <a:defRPr sz="1890" kern="1200">
+      <a:lvl1pPr marL="0" algn="l" defTabSz="917966" rtl="0" eaLnBrk="1" latinLnBrk="0" hangingPunct="1">
+        <a:defRPr sz="1807" kern="1200">
           <a:solidFill>
             <a:schemeClr val="tx1"/>
           </a:solidFill>
@@ -2872,8 +2872,8 @@
           <a:cs typeface="+mn-cs"/>
         </a:defRPr>
       </a:lvl1pPr>
-      <a:lvl2pPr marL="479969" algn="l" defTabSz="959937" rtl="0" eaLnBrk="1" latinLnBrk="0" hangingPunct="1">
-        <a:defRPr sz="1890" kern="1200">
+      <a:lvl2pPr marL="458983" algn="l" defTabSz="917966" rtl="0" eaLnBrk="1" latinLnBrk="0" hangingPunct="1">
+        <a:defRPr sz="1807" kern="1200">
           <a:solidFill>
             <a:schemeClr val="tx1"/>
           </a:solidFill>
@@ -2882,8 +2882,8 @@
           <a:cs typeface="+mn-cs"/>
         </a:defRPr>
       </a:lvl2pPr>
-      <a:lvl3pPr marL="959937" algn="l" defTabSz="959937" rtl="0" eaLnBrk="1" latinLnBrk="0" hangingPunct="1">
-        <a:defRPr sz="1890" kern="1200">
+      <a:lvl3pPr marL="917966" algn="l" defTabSz="917966" rtl="0" eaLnBrk="1" latinLnBrk="0" hangingPunct="1">
+        <a:defRPr sz="1807" kern="1200">
           <a:solidFill>
             <a:schemeClr val="tx1"/>
           </a:solidFill>
@@ -2892,8 +2892,8 @@
           <a:cs typeface="+mn-cs"/>
         </a:defRPr>
       </a:lvl3pPr>
-      <a:lvl4pPr marL="1439906" algn="l" defTabSz="959937" rtl="0" eaLnBrk="1" latinLnBrk="0" hangingPunct="1">
-        <a:defRPr sz="1890" kern="1200">
+      <a:lvl4pPr marL="1376949" algn="l" defTabSz="917966" rtl="0" eaLnBrk="1" latinLnBrk="0" hangingPunct="1">
+        <a:defRPr sz="1807" kern="1200">
           <a:solidFill>
             <a:schemeClr val="tx1"/>
           </a:solidFill>
@@ -2902,8 +2902,8 @@
           <a:cs typeface="+mn-cs"/>
         </a:defRPr>
       </a:lvl4pPr>
-      <a:lvl5pPr marL="1919874" algn="l" defTabSz="959937" rtl="0" eaLnBrk="1" latinLnBrk="0" hangingPunct="1">
-        <a:defRPr sz="1890" kern="1200">
+      <a:lvl5pPr marL="1835932" algn="l" defTabSz="917966" rtl="0" eaLnBrk="1" latinLnBrk="0" hangingPunct="1">
+        <a:defRPr sz="1807" kern="1200">
           <a:solidFill>
             <a:schemeClr val="tx1"/>
           </a:solidFill>
@@ -2912,8 +2912,8 @@
           <a:cs typeface="+mn-cs"/>
         </a:defRPr>
       </a:lvl5pPr>
-      <a:lvl6pPr marL="2399843" algn="l" defTabSz="959937" rtl="0" eaLnBrk="1" latinLnBrk="0" hangingPunct="1">
-        <a:defRPr sz="1890" kern="1200">
+      <a:lvl6pPr marL="2294915" algn="l" defTabSz="917966" rtl="0" eaLnBrk="1" latinLnBrk="0" hangingPunct="1">
+        <a:defRPr sz="1807" kern="1200">
           <a:solidFill>
             <a:schemeClr val="tx1"/>
           </a:solidFill>
@@ -2922,8 +2922,8 @@
           <a:cs typeface="+mn-cs"/>
         </a:defRPr>
       </a:lvl6pPr>
-      <a:lvl7pPr marL="2879811" algn="l" defTabSz="959937" rtl="0" eaLnBrk="1" latinLnBrk="0" hangingPunct="1">
-        <a:defRPr sz="1890" kern="1200">
+      <a:lvl7pPr marL="2753898" algn="l" defTabSz="917966" rtl="0" eaLnBrk="1" latinLnBrk="0" hangingPunct="1">
+        <a:defRPr sz="1807" kern="1200">
           <a:solidFill>
             <a:schemeClr val="tx1"/>
           </a:solidFill>
@@ -2932,8 +2932,8 @@
           <a:cs typeface="+mn-cs"/>
         </a:defRPr>
       </a:lvl7pPr>
-      <a:lvl8pPr marL="3359780" algn="l" defTabSz="959937" rtl="0" eaLnBrk="1" latinLnBrk="0" hangingPunct="1">
-        <a:defRPr sz="1890" kern="1200">
+      <a:lvl8pPr marL="3212882" algn="l" defTabSz="917966" rtl="0" eaLnBrk="1" latinLnBrk="0" hangingPunct="1">
+        <a:defRPr sz="1807" kern="1200">
           <a:solidFill>
             <a:schemeClr val="tx1"/>
           </a:solidFill>
@@ -2942,8 +2942,8 @@
           <a:cs typeface="+mn-cs"/>
         </a:defRPr>
       </a:lvl8pPr>
-      <a:lvl9pPr marL="3839748" algn="l" defTabSz="959937" rtl="0" eaLnBrk="1" latinLnBrk="0" hangingPunct="1">
-        <a:defRPr sz="1890" kern="1200">
+      <a:lvl9pPr marL="3671865" algn="l" defTabSz="917966" rtl="0" eaLnBrk="1" latinLnBrk="0" hangingPunct="1">
+        <a:defRPr sz="1807" kern="1200">
           <a:solidFill>
             <a:schemeClr val="tx1"/>
           </a:solidFill>
@@ -2984,7 +2984,7 @@
         </p:nvGrpSpPr>
         <p:grpSpPr>
           <a:xfrm>
-            <a:off x="2194784" y="89656"/>
+            <a:off x="1114491" y="89656"/>
             <a:ext cx="10010645" cy="7020000"/>
             <a:chOff x="2610644" y="154161"/>
             <a:chExt cx="9035256" cy="6336005"/>
@@ -3336,7 +3336,7 @@
         </p:blipFill>
         <p:spPr>
           <a:xfrm>
-            <a:off x="3390583" y="1059974"/>
+            <a:off x="2310290" y="1059975"/>
             <a:ext cx="7619047" cy="5079365"/>
           </a:xfrm>
           <a:prstGeom prst="rect">
@@ -3360,7 +3360,7 @@
 <file path=ppt/theme/theme1.xml><?xml version="1.0" encoding="utf-8"?>
 <a:theme xmlns:a="http://schemas.openxmlformats.org/drawingml/2006/main" name="Office 主题">
   <a:themeElements>
-    <a:clrScheme name="Office 主题">
+    <a:clrScheme name="Office Theme">
       <a:dk1>
         <a:sysClr val="windowText" lastClr="000000"/>
       </a:dk1>
@@ -3374,7 +3374,7 @@
         <a:srgbClr val="E7E6E6"/>
       </a:lt2>
       <a:accent1>
-        <a:srgbClr val="5B9BD5"/>
+        <a:srgbClr val="4472C4"/>
       </a:accent1>
       <a:accent2>
         <a:srgbClr val="ED7D31"/>
@@ -3386,7 +3386,7 @@
         <a:srgbClr val="FFC000"/>
       </a:accent4>
       <a:accent5>
-        <a:srgbClr val="4472C4"/>
+        <a:srgbClr val="5B9BD5"/>
       </a:accent5>
       <a:accent6>
         <a:srgbClr val="70AD47"/>
@@ -3398,14 +3398,14 @@
         <a:srgbClr val="954F72"/>
       </a:folHlink>
     </a:clrScheme>
-    <a:fontScheme name="Office 主题">
+    <a:fontScheme name="Office Theme">
       <a:majorFont>
         <a:latin typeface="Calibri Light" panose="020F0302020204030204"/>
         <a:ea typeface=""/>
         <a:cs typeface=""/>
-        <a:font script="Jpan" typeface="ＭＳ Ｐゴシック"/>
+        <a:font script="Jpan" typeface="游ゴシック Light"/>
         <a:font script="Hang" typeface="맑은 고딕"/>
-        <a:font script="Hans" typeface="宋体"/>
+        <a:font script="Hans" typeface="等线 Light"/>
         <a:font script="Hant" typeface="新細明體"/>
         <a:font script="Arab" typeface="Times New Roman"/>
         <a:font script="Hebr" typeface="Times New Roman"/>
@@ -3438,9 +3438,9 @@
         <a:latin typeface="Calibri" panose="020F0502020204030204"/>
         <a:ea typeface=""/>
         <a:cs typeface=""/>
-        <a:font script="Jpan" typeface="ＭＳ Ｐゴシック"/>
+        <a:font script="Jpan" typeface="游ゴシック"/>
         <a:font script="Hang" typeface="맑은 고딕"/>
-        <a:font script="Hans" typeface="宋体"/>
+        <a:font script="Hans" typeface="等线"/>
         <a:font script="Hant" typeface="新細明體"/>
         <a:font script="Arab" typeface="Arial"/>
         <a:font script="Hebr" typeface="Arial"/>
@@ -3470,7 +3470,7 @@
         <a:font script="Geor" typeface="Sylfaen"/>
       </a:minorFont>
     </a:fontScheme>
-    <a:fmtScheme name="Office 主题">
+    <a:fmtScheme name="Office Theme">
       <a:fillStyleLst>
         <a:solidFill>
           <a:schemeClr val="phClr"/>
